--- a/Resources/Documents/CitizenTaxi.pptx
+++ b/Resources/Documents/CitizenTaxi.pptx
@@ -5,10 +5,10 @@
     <p:sldMasterId id="2147483666" r:id="rId4"/>
   </p:sldMasterIdLst>
   <p:notesMasterIdLst>
-    <p:notesMasterId r:id="rId15"/>
+    <p:notesMasterId r:id="rId19"/>
   </p:notesMasterIdLst>
   <p:handoutMasterIdLst>
-    <p:handoutMasterId r:id="rId16"/>
+    <p:handoutMasterId r:id="rId20"/>
   </p:handoutMasterIdLst>
   <p:sldIdLst>
     <p:sldId id="256" r:id="rId5"/>
@@ -21,6 +21,10 @@
     <p:sldId id="294" r:id="rId12"/>
     <p:sldId id="295" r:id="rId13"/>
     <p:sldId id="296" r:id="rId14"/>
+    <p:sldId id="297" r:id="rId15"/>
+    <p:sldId id="298" r:id="rId16"/>
+    <p:sldId id="299" r:id="rId17"/>
+    <p:sldId id="300" r:id="rId18"/>
   </p:sldIdLst>
   <p:sldSz cx="12192000" cy="6858000"/>
   <p:notesSz cx="6858000" cy="9144000"/>
@@ -249,7 +253,7 @@
             <a:pPr rtl="0"/>
             <a:fld id="{4245C065-7973-41A8-A2CC-441A8BA3384C}" type="datetime1">
               <a:rPr lang="en-GB" smtClean="0"/>
-              <a:t>04/12/2023</a:t>
+              <a:t>06/12/2023</a:t>
             </a:fld>
             <a:endParaRPr lang="en-GB"/>
           </a:p>
@@ -431,7 +435,7 @@
             <a:fld id="{A087A586-3225-45EC-B90F-43F9676D14C2}" type="datetime1">
               <a:rPr lang="en-GB" smtClean="0"/>
               <a:pPr/>
-              <a:t>04/12/2023</a:t>
+              <a:t>06/12/2023</a:t>
             </a:fld>
             <a:endParaRPr lang="en-GB" dirty="0"/>
           </a:p>
@@ -863,6 +867,346 @@
     <p:extLst>
       <p:ext uri="{BB962C8B-B14F-4D97-AF65-F5344CB8AC3E}">
         <p14:creationId xmlns:p14="http://schemas.microsoft.com/office/powerpoint/2010/main" val="369118766"/>
+      </p:ext>
+    </p:extLst>
+  </p:cSld>
+  <p:clrMapOvr>
+    <a:masterClrMapping/>
+  </p:clrMapOvr>
+</p:notes>
+</file>
+
+<file path=ppt/notesSlides/notesSlide11.xml><?xml version="1.0" encoding="utf-8"?>
+<p:notes xmlns:a="http://schemas.openxmlformats.org/drawingml/2006/main" xmlns:r="http://schemas.openxmlformats.org/officeDocument/2006/relationships" xmlns:p="http://schemas.openxmlformats.org/presentationml/2006/main">
+  <p:cSld>
+    <p:spTree>
+      <p:nvGrpSpPr>
+        <p:cNvPr id="1" name=""/>
+        <p:cNvGrpSpPr/>
+        <p:nvPr/>
+      </p:nvGrpSpPr>
+      <p:grpSpPr>
+        <a:xfrm>
+          <a:off x="0" y="0"/>
+          <a:ext cx="0" cy="0"/>
+          <a:chOff x="0" y="0"/>
+          <a:chExt cx="0" cy="0"/>
+        </a:xfrm>
+      </p:grpSpPr>
+      <p:sp>
+        <p:nvSpPr>
+          <p:cNvPr id="2" name="Slide Image Placeholder 1"/>
+          <p:cNvSpPr>
+            <a:spLocks noGrp="1" noRot="1" noChangeAspect="1"/>
+          </p:cNvSpPr>
+          <p:nvPr>
+            <p:ph type="sldImg"/>
+          </p:nvPr>
+        </p:nvSpPr>
+        <p:spPr/>
+      </p:sp>
+      <p:sp>
+        <p:nvSpPr>
+          <p:cNvPr id="3" name="Notes Placeholder 2"/>
+          <p:cNvSpPr>
+            <a:spLocks noGrp="1"/>
+          </p:cNvSpPr>
+          <p:nvPr>
+            <p:ph type="body" idx="1"/>
+          </p:nvPr>
+        </p:nvSpPr>
+        <p:spPr/>
+        <p:txBody>
+          <a:bodyPr/>
+          <a:lstStyle/>
+          <a:p>
+            <a:endParaRPr lang="da-DK" noProof="0" dirty="0"/>
+          </a:p>
+        </p:txBody>
+      </p:sp>
+      <p:sp>
+        <p:nvSpPr>
+          <p:cNvPr id="4" name="Slide Number Placeholder 3"/>
+          <p:cNvSpPr>
+            <a:spLocks noGrp="1"/>
+          </p:cNvSpPr>
+          <p:nvPr>
+            <p:ph type="sldNum" sz="quarter" idx="5"/>
+          </p:nvPr>
+        </p:nvSpPr>
+        <p:spPr/>
+        <p:txBody>
+          <a:bodyPr/>
+          <a:lstStyle/>
+          <a:p>
+            <a:pPr rtl="0"/>
+            <a:fld id="{D4B9A9E5-4F7F-4A7D-9DE1-899232329269}" type="slidenum">
+              <a:rPr lang="en-GB" smtClean="0"/>
+              <a:t>11</a:t>
+            </a:fld>
+            <a:endParaRPr lang="en-GB"/>
+          </a:p>
+        </p:txBody>
+      </p:sp>
+    </p:spTree>
+    <p:extLst>
+      <p:ext uri="{BB962C8B-B14F-4D97-AF65-F5344CB8AC3E}">
+        <p14:creationId xmlns:p14="http://schemas.microsoft.com/office/powerpoint/2010/main" val="3659315658"/>
+      </p:ext>
+    </p:extLst>
+  </p:cSld>
+  <p:clrMapOvr>
+    <a:masterClrMapping/>
+  </p:clrMapOvr>
+</p:notes>
+</file>
+
+<file path=ppt/notesSlides/notesSlide12.xml><?xml version="1.0" encoding="utf-8"?>
+<p:notes xmlns:a="http://schemas.openxmlformats.org/drawingml/2006/main" xmlns:r="http://schemas.openxmlformats.org/officeDocument/2006/relationships" xmlns:p="http://schemas.openxmlformats.org/presentationml/2006/main">
+  <p:cSld>
+    <p:spTree>
+      <p:nvGrpSpPr>
+        <p:cNvPr id="1" name=""/>
+        <p:cNvGrpSpPr/>
+        <p:nvPr/>
+      </p:nvGrpSpPr>
+      <p:grpSpPr>
+        <a:xfrm>
+          <a:off x="0" y="0"/>
+          <a:ext cx="0" cy="0"/>
+          <a:chOff x="0" y="0"/>
+          <a:chExt cx="0" cy="0"/>
+        </a:xfrm>
+      </p:grpSpPr>
+      <p:sp>
+        <p:nvSpPr>
+          <p:cNvPr id="2" name="Slide Image Placeholder 1"/>
+          <p:cNvSpPr>
+            <a:spLocks noGrp="1" noRot="1" noChangeAspect="1"/>
+          </p:cNvSpPr>
+          <p:nvPr>
+            <p:ph type="sldImg"/>
+          </p:nvPr>
+        </p:nvSpPr>
+        <p:spPr/>
+      </p:sp>
+      <p:sp>
+        <p:nvSpPr>
+          <p:cNvPr id="3" name="Notes Placeholder 2"/>
+          <p:cNvSpPr>
+            <a:spLocks noGrp="1"/>
+          </p:cNvSpPr>
+          <p:nvPr>
+            <p:ph type="body" idx="1"/>
+          </p:nvPr>
+        </p:nvSpPr>
+        <p:spPr/>
+        <p:txBody>
+          <a:bodyPr/>
+          <a:lstStyle/>
+          <a:p>
+            <a:endParaRPr lang="da-DK" noProof="0" dirty="0"/>
+          </a:p>
+        </p:txBody>
+      </p:sp>
+      <p:sp>
+        <p:nvSpPr>
+          <p:cNvPr id="4" name="Slide Number Placeholder 3"/>
+          <p:cNvSpPr>
+            <a:spLocks noGrp="1"/>
+          </p:cNvSpPr>
+          <p:nvPr>
+            <p:ph type="sldNum" sz="quarter" idx="5"/>
+          </p:nvPr>
+        </p:nvSpPr>
+        <p:spPr/>
+        <p:txBody>
+          <a:bodyPr/>
+          <a:lstStyle/>
+          <a:p>
+            <a:pPr rtl="0"/>
+            <a:fld id="{D4B9A9E5-4F7F-4A7D-9DE1-899232329269}" type="slidenum">
+              <a:rPr lang="en-GB" smtClean="0"/>
+              <a:t>12</a:t>
+            </a:fld>
+            <a:endParaRPr lang="en-GB"/>
+          </a:p>
+        </p:txBody>
+      </p:sp>
+    </p:spTree>
+    <p:extLst>
+      <p:ext uri="{BB962C8B-B14F-4D97-AF65-F5344CB8AC3E}">
+        <p14:creationId xmlns:p14="http://schemas.microsoft.com/office/powerpoint/2010/main" val="1721186577"/>
+      </p:ext>
+    </p:extLst>
+  </p:cSld>
+  <p:clrMapOvr>
+    <a:masterClrMapping/>
+  </p:clrMapOvr>
+</p:notes>
+</file>
+
+<file path=ppt/notesSlides/notesSlide13.xml><?xml version="1.0" encoding="utf-8"?>
+<p:notes xmlns:a="http://schemas.openxmlformats.org/drawingml/2006/main" xmlns:r="http://schemas.openxmlformats.org/officeDocument/2006/relationships" xmlns:p="http://schemas.openxmlformats.org/presentationml/2006/main">
+  <p:cSld>
+    <p:spTree>
+      <p:nvGrpSpPr>
+        <p:cNvPr id="1" name=""/>
+        <p:cNvGrpSpPr/>
+        <p:nvPr/>
+      </p:nvGrpSpPr>
+      <p:grpSpPr>
+        <a:xfrm>
+          <a:off x="0" y="0"/>
+          <a:ext cx="0" cy="0"/>
+          <a:chOff x="0" y="0"/>
+          <a:chExt cx="0" cy="0"/>
+        </a:xfrm>
+      </p:grpSpPr>
+      <p:sp>
+        <p:nvSpPr>
+          <p:cNvPr id="2" name="Slide Image Placeholder 1"/>
+          <p:cNvSpPr>
+            <a:spLocks noGrp="1" noRot="1" noChangeAspect="1"/>
+          </p:cNvSpPr>
+          <p:nvPr>
+            <p:ph type="sldImg"/>
+          </p:nvPr>
+        </p:nvSpPr>
+        <p:spPr/>
+      </p:sp>
+      <p:sp>
+        <p:nvSpPr>
+          <p:cNvPr id="3" name="Notes Placeholder 2"/>
+          <p:cNvSpPr>
+            <a:spLocks noGrp="1"/>
+          </p:cNvSpPr>
+          <p:nvPr>
+            <p:ph type="body" idx="1"/>
+          </p:nvPr>
+        </p:nvSpPr>
+        <p:spPr/>
+        <p:txBody>
+          <a:bodyPr/>
+          <a:lstStyle/>
+          <a:p>
+            <a:endParaRPr lang="da-DK" noProof="0" dirty="0"/>
+          </a:p>
+        </p:txBody>
+      </p:sp>
+      <p:sp>
+        <p:nvSpPr>
+          <p:cNvPr id="4" name="Slide Number Placeholder 3"/>
+          <p:cNvSpPr>
+            <a:spLocks noGrp="1"/>
+          </p:cNvSpPr>
+          <p:nvPr>
+            <p:ph type="sldNum" sz="quarter" idx="5"/>
+          </p:nvPr>
+        </p:nvSpPr>
+        <p:spPr/>
+        <p:txBody>
+          <a:bodyPr/>
+          <a:lstStyle/>
+          <a:p>
+            <a:pPr rtl="0"/>
+            <a:fld id="{D4B9A9E5-4F7F-4A7D-9DE1-899232329269}" type="slidenum">
+              <a:rPr lang="en-GB" smtClean="0"/>
+              <a:t>13</a:t>
+            </a:fld>
+            <a:endParaRPr lang="en-GB"/>
+          </a:p>
+        </p:txBody>
+      </p:sp>
+    </p:spTree>
+    <p:extLst>
+      <p:ext uri="{BB962C8B-B14F-4D97-AF65-F5344CB8AC3E}">
+        <p14:creationId xmlns:p14="http://schemas.microsoft.com/office/powerpoint/2010/main" val="2054273340"/>
+      </p:ext>
+    </p:extLst>
+  </p:cSld>
+  <p:clrMapOvr>
+    <a:masterClrMapping/>
+  </p:clrMapOvr>
+</p:notes>
+</file>
+
+<file path=ppt/notesSlides/notesSlide14.xml><?xml version="1.0" encoding="utf-8"?>
+<p:notes xmlns:a="http://schemas.openxmlformats.org/drawingml/2006/main" xmlns:r="http://schemas.openxmlformats.org/officeDocument/2006/relationships" xmlns:p="http://schemas.openxmlformats.org/presentationml/2006/main">
+  <p:cSld>
+    <p:spTree>
+      <p:nvGrpSpPr>
+        <p:cNvPr id="1" name=""/>
+        <p:cNvGrpSpPr/>
+        <p:nvPr/>
+      </p:nvGrpSpPr>
+      <p:grpSpPr>
+        <a:xfrm>
+          <a:off x="0" y="0"/>
+          <a:ext cx="0" cy="0"/>
+          <a:chOff x="0" y="0"/>
+          <a:chExt cx="0" cy="0"/>
+        </a:xfrm>
+      </p:grpSpPr>
+      <p:sp>
+        <p:nvSpPr>
+          <p:cNvPr id="2" name="Slide Image Placeholder 1"/>
+          <p:cNvSpPr>
+            <a:spLocks noGrp="1" noRot="1" noChangeAspect="1"/>
+          </p:cNvSpPr>
+          <p:nvPr>
+            <p:ph type="sldImg"/>
+          </p:nvPr>
+        </p:nvSpPr>
+        <p:spPr/>
+      </p:sp>
+      <p:sp>
+        <p:nvSpPr>
+          <p:cNvPr id="3" name="Notes Placeholder 2"/>
+          <p:cNvSpPr>
+            <a:spLocks noGrp="1"/>
+          </p:cNvSpPr>
+          <p:nvPr>
+            <p:ph type="body" idx="1"/>
+          </p:nvPr>
+        </p:nvSpPr>
+        <p:spPr/>
+        <p:txBody>
+          <a:bodyPr/>
+          <a:lstStyle/>
+          <a:p>
+            <a:endParaRPr lang="da-DK" noProof="0" dirty="0"/>
+          </a:p>
+        </p:txBody>
+      </p:sp>
+      <p:sp>
+        <p:nvSpPr>
+          <p:cNvPr id="4" name="Slide Number Placeholder 3"/>
+          <p:cNvSpPr>
+            <a:spLocks noGrp="1"/>
+          </p:cNvSpPr>
+          <p:nvPr>
+            <p:ph type="sldNum" sz="quarter" idx="5"/>
+          </p:nvPr>
+        </p:nvSpPr>
+        <p:spPr/>
+        <p:txBody>
+          <a:bodyPr/>
+          <a:lstStyle/>
+          <a:p>
+            <a:pPr rtl="0"/>
+            <a:fld id="{D4B9A9E5-4F7F-4A7D-9DE1-899232329269}" type="slidenum">
+              <a:rPr lang="en-GB" smtClean="0"/>
+              <a:t>14</a:t>
+            </a:fld>
+            <a:endParaRPr lang="en-GB"/>
+          </a:p>
+        </p:txBody>
+      </p:sp>
+    </p:spTree>
+    <p:extLst>
+      <p:ext uri="{BB962C8B-B14F-4D97-AF65-F5344CB8AC3E}">
+        <p14:creationId xmlns:p14="http://schemas.microsoft.com/office/powerpoint/2010/main" val="1602376072"/>
       </p:ext>
     </p:extLst>
   </p:cSld>
@@ -16704,7 +17048,7 @@
   </p:clrMapOvr>
   <mc:AlternateContent xmlns:mc="http://schemas.openxmlformats.org/markup-compatibility/2006" xmlns:p15="http://schemas.microsoft.com/office/powerpoint/2012/main">
     <mc:Choice Requires="p15">
-      <p:transition xmlns:p14="http://schemas.microsoft.com/office/powerpoint/2010/main" spd="slow" p14:dur="2500">
+      <p:transition xmlns:p14="http://schemas.microsoft.com/office/powerpoint/2010/main" spd="slow" p14:dur="3000">
         <p15:prstTrans prst="curtains"/>
       </p:transition>
     </mc:Choice>
@@ -16714,6 +17058,4124 @@
       </p:transition>
     </mc:Fallback>
   </mc:AlternateContent>
+</p:sld>
+</file>
+
+<file path=ppt/slides/slide11.xml><?xml version="1.0" encoding="utf-8"?>
+<p:sld xmlns:a="http://schemas.openxmlformats.org/drawingml/2006/main" xmlns:r="http://schemas.openxmlformats.org/officeDocument/2006/relationships" xmlns:p="http://schemas.openxmlformats.org/presentationml/2006/main">
+  <p:cSld>
+    <p:spTree>
+      <p:nvGrpSpPr>
+        <p:cNvPr id="1" name=""/>
+        <p:cNvGrpSpPr/>
+        <p:nvPr/>
+      </p:nvGrpSpPr>
+      <p:grpSpPr>
+        <a:xfrm>
+          <a:off x="0" y="0"/>
+          <a:ext cx="0" cy="0"/>
+          <a:chOff x="0" y="0"/>
+          <a:chExt cx="0" cy="0"/>
+        </a:xfrm>
+      </p:grpSpPr>
+      <p:sp>
+        <p:nvSpPr>
+          <p:cNvPr id="2" name="Title 1">
+            <a:extLst>
+              <a:ext uri="{FF2B5EF4-FFF2-40B4-BE49-F238E27FC236}">
+                <a16:creationId xmlns:a16="http://schemas.microsoft.com/office/drawing/2014/main" id="{6719F29B-F233-48AF-8261-F33A4E079E3E}"/>
+              </a:ext>
+              <a:ext uri="{C183D7F6-B498-43B3-948B-1728B52AA6E4}">
+                <adec:decorative xmlns:adec="http://schemas.microsoft.com/office/drawing/2017/decorative" val="0"/>
+              </a:ext>
+            </a:extLst>
+          </p:cNvPr>
+          <p:cNvSpPr>
+            <a:spLocks noGrp="1"/>
+          </p:cNvSpPr>
+          <p:nvPr>
+            <p:ph type="title"/>
+          </p:nvPr>
+        </p:nvSpPr>
+        <p:spPr>
+          <a:xfrm>
+            <a:off x="436570" y="353683"/>
+            <a:ext cx="7284072" cy="733245"/>
+          </a:xfrm>
+        </p:spPr>
+        <p:txBody>
+          <a:bodyPr rtlCol="0">
+            <a:noAutofit/>
+          </a:bodyPr>
+          <a:lstStyle/>
+          <a:p>
+            <a:pPr rtl="0"/>
+            <a:r>
+              <a:rPr lang="en-GB" sz="4800" dirty="0" err="1"/>
+              <a:t>Hvad</a:t>
+            </a:r>
+            <a:r>
+              <a:rPr lang="en-GB" sz="4800" dirty="0"/>
+              <a:t> er Der tale om?</a:t>
+            </a:r>
+          </a:p>
+        </p:txBody>
+      </p:sp>
+      <p:sp>
+        <p:nvSpPr>
+          <p:cNvPr id="8" name="TextBox 7">
+            <a:extLst>
+              <a:ext uri="{FF2B5EF4-FFF2-40B4-BE49-F238E27FC236}">
+                <a16:creationId xmlns:a16="http://schemas.microsoft.com/office/drawing/2014/main" id="{46383BB5-64E4-3B6B-FB0A-DDB198426101}"/>
+              </a:ext>
+            </a:extLst>
+          </p:cNvPr>
+          <p:cNvSpPr txBox="1"/>
+          <p:nvPr/>
+        </p:nvSpPr>
+        <p:spPr>
+          <a:xfrm>
+            <a:off x="436570" y="1086928"/>
+            <a:ext cx="5230986" cy="1200329"/>
+          </a:xfrm>
+          <a:prstGeom prst="rect">
+            <a:avLst/>
+          </a:prstGeom>
+          <a:noFill/>
+        </p:spPr>
+        <p:txBody>
+          <a:bodyPr wrap="square" rtlCol="0">
+            <a:spAutoFit/>
+          </a:bodyPr>
+          <a:lstStyle/>
+          <a:p>
+            <a:pPr marL="252000" indent="-180000">
+              <a:buFont typeface="Arial" panose="020B0604020202020204" pitchFamily="34" charset="0"/>
+              <a:buChar char="•"/>
+            </a:pPr>
+            <a:r>
+              <a:rPr lang="da-DK" dirty="0">
+                <a:solidFill>
+                  <a:schemeClr val="bg1"/>
+                </a:solidFill>
+              </a:rPr>
+              <a:t>Hvad bliver JavaScript brugt til?</a:t>
+            </a:r>
+          </a:p>
+          <a:p>
+            <a:pPr marL="252000" indent="-180000">
+              <a:buFont typeface="Arial" panose="020B0604020202020204" pitchFamily="34" charset="0"/>
+              <a:buChar char="•"/>
+            </a:pPr>
+            <a:r>
+              <a:rPr lang="da-DK" dirty="0">
+                <a:solidFill>
+                  <a:schemeClr val="bg1"/>
+                </a:solidFill>
+              </a:rPr>
+              <a:t>Hvorfor opfandt man TypeScript?</a:t>
+            </a:r>
+          </a:p>
+          <a:p>
+            <a:pPr marL="252000" indent="-180000">
+              <a:buFont typeface="Arial" panose="020B0604020202020204" pitchFamily="34" charset="0"/>
+              <a:buChar char="•"/>
+            </a:pPr>
+            <a:r>
+              <a:rPr lang="da-DK" dirty="0">
+                <a:solidFill>
+                  <a:schemeClr val="bg1"/>
+                </a:solidFill>
+              </a:rPr>
+              <a:t>Hvad er TypeScript?</a:t>
+            </a:r>
+          </a:p>
+          <a:p>
+            <a:pPr marL="709200" lvl="1" indent="-180000">
+              <a:buFont typeface="Arial" panose="020B0604020202020204" pitchFamily="34" charset="0"/>
+              <a:buChar char="•"/>
+            </a:pPr>
+            <a:r>
+              <a:rPr lang="da-DK" dirty="0">
+                <a:solidFill>
+                  <a:schemeClr val="bg1"/>
+                </a:solidFill>
+              </a:rPr>
+              <a:t>Sprog &amp; </a:t>
+            </a:r>
+            <a:r>
+              <a:rPr lang="da-DK" dirty="0" err="1">
+                <a:solidFill>
+                  <a:schemeClr val="bg1"/>
+                </a:solidFill>
+              </a:rPr>
+              <a:t>Linter</a:t>
+            </a:r>
+            <a:r>
+              <a:rPr lang="da-DK" dirty="0">
+                <a:solidFill>
+                  <a:schemeClr val="bg1"/>
+                </a:solidFill>
+              </a:rPr>
+              <a:t> – ”Superset of JavaScript”</a:t>
+            </a:r>
+          </a:p>
+        </p:txBody>
+      </p:sp>
+    </p:spTree>
+    <p:extLst>
+      <p:ext uri="{BB962C8B-B14F-4D97-AF65-F5344CB8AC3E}">
+        <p14:creationId xmlns:p14="http://schemas.microsoft.com/office/powerpoint/2010/main" val="4205418382"/>
+      </p:ext>
+    </p:extLst>
+  </p:cSld>
+  <p:clrMapOvr>
+    <a:masterClrMapping/>
+  </p:clrMapOvr>
+  <p:transition spd="slow">
+    <p:push dir="u"/>
+  </p:transition>
+  <p:timing>
+    <p:tnLst>
+      <p:par>
+        <p:cTn id="1" dur="indefinite" restart="never" nodeType="tmRoot">
+          <p:childTnLst>
+            <p:seq concurrent="1" nextAc="seek">
+              <p:cTn id="2" dur="indefinite" nodeType="mainSeq">
+                <p:childTnLst>
+                  <p:par>
+                    <p:cTn id="3" fill="hold">
+                      <p:stCondLst>
+                        <p:cond delay="indefinite"/>
+                      </p:stCondLst>
+                      <p:childTnLst>
+                        <p:par>
+                          <p:cTn id="4" fill="hold">
+                            <p:stCondLst>
+                              <p:cond delay="0"/>
+                            </p:stCondLst>
+                            <p:childTnLst>
+                              <p:par>
+                                <p:cTn id="5" presetID="10" presetClass="entr" presetSubtype="0" fill="hold" nodeType="clickEffect">
+                                  <p:stCondLst>
+                                    <p:cond delay="0"/>
+                                  </p:stCondLst>
+                                  <p:childTnLst>
+                                    <p:set>
+                                      <p:cBhvr>
+                                        <p:cTn id="6" dur="1" fill="hold">
+                                          <p:stCondLst>
+                                            <p:cond delay="0"/>
+                                          </p:stCondLst>
+                                        </p:cTn>
+                                        <p:tgtEl>
+                                          <p:spTgt spid="8">
+                                            <p:txEl>
+                                              <p:pRg st="0" end="0"/>
+                                            </p:txEl>
+                                          </p:spTgt>
+                                        </p:tgtEl>
+                                        <p:attrNameLst>
+                                          <p:attrName>style.visibility</p:attrName>
+                                        </p:attrNameLst>
+                                      </p:cBhvr>
+                                      <p:to>
+                                        <p:strVal val="visible"/>
+                                      </p:to>
+                                    </p:set>
+                                    <p:animEffect transition="in" filter="fade">
+                                      <p:cBhvr>
+                                        <p:cTn id="7" dur="500"/>
+                                        <p:tgtEl>
+                                          <p:spTgt spid="8">
+                                            <p:txEl>
+                                              <p:pRg st="0" end="0"/>
+                                            </p:txEl>
+                                          </p:spTgt>
+                                        </p:tgtEl>
+                                      </p:cBhvr>
+                                    </p:animEffect>
+                                  </p:childTnLst>
+                                </p:cTn>
+                              </p:par>
+                            </p:childTnLst>
+                          </p:cTn>
+                        </p:par>
+                      </p:childTnLst>
+                    </p:cTn>
+                  </p:par>
+                  <p:par>
+                    <p:cTn id="8" fill="hold">
+                      <p:stCondLst>
+                        <p:cond delay="indefinite"/>
+                      </p:stCondLst>
+                      <p:childTnLst>
+                        <p:par>
+                          <p:cTn id="9" fill="hold">
+                            <p:stCondLst>
+                              <p:cond delay="0"/>
+                            </p:stCondLst>
+                            <p:childTnLst>
+                              <p:par>
+                                <p:cTn id="10" presetID="10" presetClass="entr" presetSubtype="0" fill="hold" nodeType="clickEffect">
+                                  <p:stCondLst>
+                                    <p:cond delay="0"/>
+                                  </p:stCondLst>
+                                  <p:childTnLst>
+                                    <p:set>
+                                      <p:cBhvr>
+                                        <p:cTn id="11" dur="1" fill="hold">
+                                          <p:stCondLst>
+                                            <p:cond delay="0"/>
+                                          </p:stCondLst>
+                                        </p:cTn>
+                                        <p:tgtEl>
+                                          <p:spTgt spid="8">
+                                            <p:txEl>
+                                              <p:pRg st="1" end="1"/>
+                                            </p:txEl>
+                                          </p:spTgt>
+                                        </p:tgtEl>
+                                        <p:attrNameLst>
+                                          <p:attrName>style.visibility</p:attrName>
+                                        </p:attrNameLst>
+                                      </p:cBhvr>
+                                      <p:to>
+                                        <p:strVal val="visible"/>
+                                      </p:to>
+                                    </p:set>
+                                    <p:animEffect transition="in" filter="fade">
+                                      <p:cBhvr>
+                                        <p:cTn id="12" dur="500"/>
+                                        <p:tgtEl>
+                                          <p:spTgt spid="8">
+                                            <p:txEl>
+                                              <p:pRg st="1" end="1"/>
+                                            </p:txEl>
+                                          </p:spTgt>
+                                        </p:tgtEl>
+                                      </p:cBhvr>
+                                    </p:animEffect>
+                                  </p:childTnLst>
+                                </p:cTn>
+                              </p:par>
+                            </p:childTnLst>
+                          </p:cTn>
+                        </p:par>
+                      </p:childTnLst>
+                    </p:cTn>
+                  </p:par>
+                  <p:par>
+                    <p:cTn id="13" fill="hold">
+                      <p:stCondLst>
+                        <p:cond delay="indefinite"/>
+                      </p:stCondLst>
+                      <p:childTnLst>
+                        <p:par>
+                          <p:cTn id="14" fill="hold">
+                            <p:stCondLst>
+                              <p:cond delay="0"/>
+                            </p:stCondLst>
+                            <p:childTnLst>
+                              <p:par>
+                                <p:cTn id="15" presetID="10" presetClass="entr" presetSubtype="0" fill="hold" nodeType="clickEffect">
+                                  <p:stCondLst>
+                                    <p:cond delay="0"/>
+                                  </p:stCondLst>
+                                  <p:childTnLst>
+                                    <p:set>
+                                      <p:cBhvr>
+                                        <p:cTn id="16" dur="1" fill="hold">
+                                          <p:stCondLst>
+                                            <p:cond delay="0"/>
+                                          </p:stCondLst>
+                                        </p:cTn>
+                                        <p:tgtEl>
+                                          <p:spTgt spid="8">
+                                            <p:txEl>
+                                              <p:pRg st="2" end="2"/>
+                                            </p:txEl>
+                                          </p:spTgt>
+                                        </p:tgtEl>
+                                        <p:attrNameLst>
+                                          <p:attrName>style.visibility</p:attrName>
+                                        </p:attrNameLst>
+                                      </p:cBhvr>
+                                      <p:to>
+                                        <p:strVal val="visible"/>
+                                      </p:to>
+                                    </p:set>
+                                    <p:animEffect transition="in" filter="fade">
+                                      <p:cBhvr>
+                                        <p:cTn id="17" dur="500"/>
+                                        <p:tgtEl>
+                                          <p:spTgt spid="8">
+                                            <p:txEl>
+                                              <p:pRg st="2" end="2"/>
+                                            </p:txEl>
+                                          </p:spTgt>
+                                        </p:tgtEl>
+                                      </p:cBhvr>
+                                    </p:animEffect>
+                                  </p:childTnLst>
+                                </p:cTn>
+                              </p:par>
+                            </p:childTnLst>
+                          </p:cTn>
+                        </p:par>
+                      </p:childTnLst>
+                    </p:cTn>
+                  </p:par>
+                  <p:par>
+                    <p:cTn id="18" fill="hold">
+                      <p:stCondLst>
+                        <p:cond delay="indefinite"/>
+                      </p:stCondLst>
+                      <p:childTnLst>
+                        <p:par>
+                          <p:cTn id="19" fill="hold">
+                            <p:stCondLst>
+                              <p:cond delay="0"/>
+                            </p:stCondLst>
+                            <p:childTnLst>
+                              <p:par>
+                                <p:cTn id="20" presetID="10" presetClass="entr" presetSubtype="0" fill="hold" nodeType="clickEffect">
+                                  <p:stCondLst>
+                                    <p:cond delay="0"/>
+                                  </p:stCondLst>
+                                  <p:childTnLst>
+                                    <p:set>
+                                      <p:cBhvr>
+                                        <p:cTn id="21" dur="1" fill="hold">
+                                          <p:stCondLst>
+                                            <p:cond delay="0"/>
+                                          </p:stCondLst>
+                                        </p:cTn>
+                                        <p:tgtEl>
+                                          <p:spTgt spid="8">
+                                            <p:txEl>
+                                              <p:pRg st="3" end="3"/>
+                                            </p:txEl>
+                                          </p:spTgt>
+                                        </p:tgtEl>
+                                        <p:attrNameLst>
+                                          <p:attrName>style.visibility</p:attrName>
+                                        </p:attrNameLst>
+                                      </p:cBhvr>
+                                      <p:to>
+                                        <p:strVal val="visible"/>
+                                      </p:to>
+                                    </p:set>
+                                    <p:animEffect transition="in" filter="fade">
+                                      <p:cBhvr>
+                                        <p:cTn id="22" dur="500"/>
+                                        <p:tgtEl>
+                                          <p:spTgt spid="8">
+                                            <p:txEl>
+                                              <p:pRg st="3" end="3"/>
+                                            </p:txEl>
+                                          </p:spTgt>
+                                        </p:tgtEl>
+                                      </p:cBhvr>
+                                    </p:animEffect>
+                                  </p:childTnLst>
+                                </p:cTn>
+                              </p:par>
+                            </p:childTnLst>
+                          </p:cTn>
+                        </p:par>
+                      </p:childTnLst>
+                    </p:cTn>
+                  </p:par>
+                </p:childTnLst>
+              </p:cTn>
+              <p:prevCondLst>
+                <p:cond evt="onPrev" delay="0">
+                  <p:tgtEl>
+                    <p:sldTgt/>
+                  </p:tgtEl>
+                </p:cond>
+              </p:prevCondLst>
+              <p:nextCondLst>
+                <p:cond evt="onNext" delay="0">
+                  <p:tgtEl>
+                    <p:sldTgt/>
+                  </p:tgtEl>
+                </p:cond>
+              </p:nextCondLst>
+            </p:seq>
+          </p:childTnLst>
+        </p:cTn>
+      </p:par>
+    </p:tnLst>
+  </p:timing>
+</p:sld>
+</file>
+
+<file path=ppt/slides/slide12.xml><?xml version="1.0" encoding="utf-8"?>
+<p:sld xmlns:a="http://schemas.openxmlformats.org/drawingml/2006/main" xmlns:r="http://schemas.openxmlformats.org/officeDocument/2006/relationships" xmlns:p="http://schemas.openxmlformats.org/presentationml/2006/main">
+  <p:cSld>
+    <p:spTree>
+      <p:nvGrpSpPr>
+        <p:cNvPr id="1" name=""/>
+        <p:cNvGrpSpPr/>
+        <p:nvPr/>
+      </p:nvGrpSpPr>
+      <p:grpSpPr>
+        <a:xfrm>
+          <a:off x="0" y="0"/>
+          <a:ext cx="0" cy="0"/>
+          <a:chOff x="0" y="0"/>
+          <a:chExt cx="0" cy="0"/>
+        </a:xfrm>
+      </p:grpSpPr>
+      <p:sp>
+        <p:nvSpPr>
+          <p:cNvPr id="2" name="Title 1">
+            <a:extLst>
+              <a:ext uri="{FF2B5EF4-FFF2-40B4-BE49-F238E27FC236}">
+                <a16:creationId xmlns:a16="http://schemas.microsoft.com/office/drawing/2014/main" id="{75031FE9-9059-4FE8-B4AC-9771F23A1B89}"/>
+              </a:ext>
+            </a:extLst>
+          </p:cNvPr>
+          <p:cNvSpPr>
+            <a:spLocks noGrp="1"/>
+          </p:cNvSpPr>
+          <p:nvPr>
+            <p:ph type="title"/>
+          </p:nvPr>
+        </p:nvSpPr>
+        <p:spPr>
+          <a:xfrm>
+            <a:off x="3950898" y="136525"/>
+            <a:ext cx="8074325" cy="450100"/>
+          </a:xfrm>
+        </p:spPr>
+        <p:txBody>
+          <a:bodyPr rtlCol="0" anchor="t">
+            <a:normAutofit fontScale="90000"/>
+          </a:bodyPr>
+          <a:lstStyle/>
+          <a:p>
+            <a:pPr algn="ctr" rtl="0"/>
+            <a:r>
+              <a:rPr lang="da-DK" b="1" dirty="0"/>
+              <a:t>Hvem dropper TypeScript?</a:t>
+            </a:r>
+          </a:p>
+        </p:txBody>
+      </p:sp>
+      <p:sp>
+        <p:nvSpPr>
+          <p:cNvPr id="30" name="TextBox 29">
+            <a:extLst>
+              <a:ext uri="{FF2B5EF4-FFF2-40B4-BE49-F238E27FC236}">
+                <a16:creationId xmlns:a16="http://schemas.microsoft.com/office/drawing/2014/main" id="{2E70BE59-E9C1-D4D5-59E5-E6A9E1E003D7}"/>
+              </a:ext>
+            </a:extLst>
+          </p:cNvPr>
+          <p:cNvSpPr txBox="1"/>
+          <p:nvPr/>
+        </p:nvSpPr>
+        <p:spPr>
+          <a:xfrm>
+            <a:off x="2741194" y="682977"/>
+            <a:ext cx="6594717" cy="5078313"/>
+          </a:xfrm>
+          <a:prstGeom prst="rect">
+            <a:avLst/>
+          </a:prstGeom>
+          <a:noFill/>
+        </p:spPr>
+        <p:txBody>
+          <a:bodyPr wrap="square" rtlCol="0">
+            <a:spAutoFit/>
+          </a:bodyPr>
+          <a:lstStyle/>
+          <a:p>
+            <a:pPr marL="252000" indent="-180000">
+              <a:buFont typeface="Arial" panose="020B0604020202020204" pitchFamily="34" charset="0"/>
+              <a:buChar char="•"/>
+            </a:pPr>
+            <a:r>
+              <a:rPr lang="da-DK" sz="2400" b="1" dirty="0" err="1">
+                <a:hlinkClick r:id="rId3"/>
+              </a:rPr>
+              <a:t>Svelte</a:t>
+            </a:r>
+            <a:endParaRPr lang="da-DK" sz="2400" b="1" dirty="0"/>
+          </a:p>
+          <a:p>
+            <a:pPr marL="612000" lvl="1" indent="-180000">
+              <a:buFont typeface="Arial" panose="020B0604020202020204" pitchFamily="34" charset="0"/>
+              <a:buChar char="•"/>
+            </a:pPr>
+            <a:r>
+              <a:rPr lang="da-DK" sz="2400" b="1" dirty="0"/>
+              <a:t>Frontend framework</a:t>
+            </a:r>
+          </a:p>
+          <a:p>
+            <a:pPr marL="612000" lvl="1" indent="-180000">
+              <a:buFont typeface="Arial" panose="020B0604020202020204" pitchFamily="34" charset="0"/>
+              <a:buChar char="•"/>
+            </a:pPr>
+            <a:r>
+              <a:rPr lang="da-DK" sz="2400" b="1" dirty="0"/>
+              <a:t>Go to definition</a:t>
+            </a:r>
+          </a:p>
+          <a:p>
+            <a:pPr marL="612000" lvl="1" indent="-180000">
+              <a:buFont typeface="Arial" panose="020B0604020202020204" pitchFamily="34" charset="0"/>
+              <a:buChar char="•"/>
+            </a:pPr>
+            <a:r>
+              <a:rPr lang="da-DK" sz="2400" b="1" dirty="0"/>
+              <a:t>Kompilering</a:t>
+            </a:r>
+          </a:p>
+          <a:p>
+            <a:pPr marL="612000" lvl="1" indent="-180000">
+              <a:buFont typeface="Arial" panose="020B0604020202020204" pitchFamily="34" charset="0"/>
+              <a:buChar char="•"/>
+            </a:pPr>
+            <a:r>
+              <a:rPr lang="da-DK" sz="2400" b="1" dirty="0" err="1"/>
+              <a:t>SvelteKit</a:t>
+            </a:r>
+            <a:r>
+              <a:rPr lang="da-DK" sz="2400" b="1" dirty="0"/>
+              <a:t> – ”</a:t>
+            </a:r>
+            <a:r>
+              <a:rPr lang="da-DK" sz="2400" b="1" dirty="0" err="1"/>
+              <a:t>miraculous</a:t>
+            </a:r>
+            <a:r>
+              <a:rPr lang="da-DK" sz="2400" b="1" dirty="0"/>
+              <a:t> for </a:t>
+            </a:r>
+            <a:r>
+              <a:rPr lang="da-DK" sz="2400" b="1" dirty="0" err="1"/>
+              <a:t>productivity</a:t>
+            </a:r>
+            <a:r>
+              <a:rPr lang="da-DK" sz="2400" b="1" dirty="0"/>
+              <a:t>”</a:t>
+            </a:r>
+          </a:p>
+          <a:p>
+            <a:pPr marL="612000" lvl="1" indent="-180000">
+              <a:buFont typeface="Arial" panose="020B0604020202020204" pitchFamily="34" charset="0"/>
+              <a:buChar char="•"/>
+            </a:pPr>
+            <a:r>
+              <a:rPr lang="da-DK" sz="2400" b="1" dirty="0"/>
+              <a:t>Nemmere for Open-Source </a:t>
+            </a:r>
+            <a:r>
+              <a:rPr lang="da-DK" sz="2400" b="1" dirty="0" err="1"/>
+              <a:t>communitiet</a:t>
+            </a:r>
+            <a:endParaRPr lang="da-DK" sz="2400" b="1" dirty="0"/>
+          </a:p>
+          <a:p>
+            <a:pPr marL="709200" lvl="1" indent="-180000">
+              <a:buFont typeface="Arial" panose="020B0604020202020204" pitchFamily="34" charset="0"/>
+              <a:buChar char="•"/>
+            </a:pPr>
+            <a:endParaRPr lang="da-DK" sz="2400" b="1" dirty="0"/>
+          </a:p>
+          <a:p>
+            <a:pPr marL="252000" indent="-180000">
+              <a:buFont typeface="Arial" panose="020B0604020202020204" pitchFamily="34" charset="0"/>
+              <a:buChar char="•"/>
+            </a:pPr>
+            <a:r>
+              <a:rPr lang="da-DK" sz="2400" b="1" dirty="0">
+                <a:hlinkClick r:id="rId4"/>
+              </a:rPr>
+              <a:t>Turbo 8 af David </a:t>
+            </a:r>
+            <a:r>
+              <a:rPr lang="da-DK" sz="2400" b="1" dirty="0" err="1">
+                <a:hlinkClick r:id="rId4"/>
+              </a:rPr>
+              <a:t>Heinmeier</a:t>
+            </a:r>
+            <a:r>
+              <a:rPr lang="da-DK" sz="2400" b="1" dirty="0">
+                <a:hlinkClick r:id="rId4"/>
+              </a:rPr>
+              <a:t> </a:t>
+            </a:r>
+            <a:r>
+              <a:rPr lang="da-DK" sz="2400" b="1" dirty="0" err="1">
+                <a:hlinkClick r:id="rId4"/>
+              </a:rPr>
+              <a:t>Hasson</a:t>
+            </a:r>
+            <a:endParaRPr lang="da-DK" sz="2400" b="1" dirty="0"/>
+          </a:p>
+          <a:p>
+            <a:pPr marL="612000" lvl="1" indent="-180000">
+              <a:buFont typeface="Arial" panose="020B0604020202020204" pitchFamily="34" charset="0"/>
+              <a:buChar char="•"/>
+            </a:pPr>
+            <a:r>
+              <a:rPr lang="da-DK" sz="2400" b="1" dirty="0" err="1"/>
+              <a:t>Bundler</a:t>
+            </a:r>
+            <a:r>
+              <a:rPr lang="da-DK" sz="2400" b="1" dirty="0"/>
+              <a:t> til ts/js filer til én stor</a:t>
+            </a:r>
+          </a:p>
+          <a:p>
+            <a:pPr marL="612000" lvl="1" indent="-180000">
+              <a:buFont typeface="Arial" panose="020B0604020202020204" pitchFamily="34" charset="0"/>
+              <a:buChar char="•"/>
+            </a:pPr>
+            <a:r>
+              <a:rPr lang="da-DK" sz="2400" b="1" dirty="0"/>
+              <a:t>Skaber af Ruby on </a:t>
+            </a:r>
+            <a:r>
+              <a:rPr lang="da-DK" sz="2400" b="1" dirty="0" err="1"/>
+              <a:t>Rails</a:t>
+            </a:r>
+            <a:r>
+              <a:rPr lang="da-DK" sz="2400" b="1" dirty="0"/>
+              <a:t> (”</a:t>
+            </a:r>
+            <a:r>
+              <a:rPr lang="da-DK" sz="2400" b="1" dirty="0" err="1"/>
+              <a:t>Rails</a:t>
+            </a:r>
+            <a:r>
+              <a:rPr lang="da-DK" sz="2400" b="1" dirty="0"/>
+              <a:t>”)</a:t>
+            </a:r>
+          </a:p>
+          <a:p>
+            <a:pPr marL="612000" lvl="1" indent="-180000">
+              <a:buFont typeface="Arial" panose="020B0604020202020204" pitchFamily="34" charset="0"/>
+              <a:buChar char="•"/>
+            </a:pPr>
+            <a:r>
+              <a:rPr lang="da-DK" sz="2400" b="1" dirty="0" err="1"/>
+              <a:t>Pollutes</a:t>
+            </a:r>
+            <a:r>
+              <a:rPr lang="da-DK" sz="2400" b="1" dirty="0"/>
+              <a:t> with ”type </a:t>
+            </a:r>
+            <a:r>
+              <a:rPr lang="da-DK" sz="2400" b="1" dirty="0" err="1"/>
+              <a:t>gymnastics</a:t>
+            </a:r>
+            <a:r>
+              <a:rPr lang="da-DK" sz="2400" b="1" dirty="0"/>
+              <a:t>”</a:t>
+            </a:r>
+          </a:p>
+          <a:p>
+            <a:pPr marL="612000" lvl="1" indent="-180000">
+              <a:buFont typeface="Arial" panose="020B0604020202020204" pitchFamily="34" charset="0"/>
+              <a:buChar char="•"/>
+            </a:pPr>
+            <a:r>
+              <a:rPr lang="en-GB" b="1" dirty="0"/>
+              <a:t>"Things that should be easy become hard, and things that are hard become `any`. No thanks!"</a:t>
+            </a:r>
+          </a:p>
+          <a:p>
+            <a:pPr marL="709200" lvl="1" indent="-180000">
+              <a:buFont typeface="Arial" panose="020B0604020202020204" pitchFamily="34" charset="0"/>
+              <a:buChar char="•"/>
+            </a:pPr>
+            <a:endParaRPr lang="da-DK" sz="2400" b="1" dirty="0"/>
+          </a:p>
+        </p:txBody>
+      </p:sp>
+      <p:pic>
+        <p:nvPicPr>
+          <p:cNvPr id="4" name="Picture 3">
+            <a:extLst>
+              <a:ext uri="{FF2B5EF4-FFF2-40B4-BE49-F238E27FC236}">
+                <a16:creationId xmlns:a16="http://schemas.microsoft.com/office/drawing/2014/main" id="{EF903BD1-90F9-02C5-A931-2D782C03CA30}"/>
+              </a:ext>
+            </a:extLst>
+          </p:cNvPr>
+          <p:cNvPicPr>
+            <a:picLocks noChangeAspect="1"/>
+          </p:cNvPicPr>
+          <p:nvPr/>
+        </p:nvPicPr>
+        <p:blipFill>
+          <a:blip r:embed="rId5"/>
+          <a:stretch>
+            <a:fillRect/>
+          </a:stretch>
+        </p:blipFill>
+        <p:spPr>
+          <a:xfrm>
+            <a:off x="4662115" y="1975952"/>
+            <a:ext cx="7080885" cy="3881690"/>
+          </a:xfrm>
+          <a:prstGeom prst="rect">
+            <a:avLst/>
+          </a:prstGeom>
+        </p:spPr>
+      </p:pic>
+    </p:spTree>
+    <p:extLst>
+      <p:ext uri="{BB962C8B-B14F-4D97-AF65-F5344CB8AC3E}">
+        <p14:creationId xmlns:p14="http://schemas.microsoft.com/office/powerpoint/2010/main" val="279304359"/>
+      </p:ext>
+    </p:extLst>
+  </p:cSld>
+  <p:clrMapOvr>
+    <a:masterClrMapping/>
+  </p:clrMapOvr>
+  <p:transition spd="slow">
+    <p:push dir="u"/>
+  </p:transition>
+  <p:timing>
+    <p:tnLst>
+      <p:par>
+        <p:cTn id="1" dur="indefinite" restart="never" nodeType="tmRoot">
+          <p:childTnLst>
+            <p:seq concurrent="1" nextAc="seek">
+              <p:cTn id="2" dur="indefinite" nodeType="mainSeq">
+                <p:childTnLst>
+                  <p:par>
+                    <p:cTn id="3" fill="hold">
+                      <p:stCondLst>
+                        <p:cond delay="indefinite"/>
+                      </p:stCondLst>
+                      <p:childTnLst>
+                        <p:par>
+                          <p:cTn id="4" fill="hold">
+                            <p:stCondLst>
+                              <p:cond delay="0"/>
+                            </p:stCondLst>
+                            <p:childTnLst>
+                              <p:par>
+                                <p:cTn id="5" presetID="53" presetClass="entr" presetSubtype="16" fill="hold" nodeType="clickEffect">
+                                  <p:stCondLst>
+                                    <p:cond delay="0"/>
+                                  </p:stCondLst>
+                                  <p:childTnLst>
+                                    <p:set>
+                                      <p:cBhvr>
+                                        <p:cTn id="6" dur="1" fill="hold">
+                                          <p:stCondLst>
+                                            <p:cond delay="0"/>
+                                          </p:stCondLst>
+                                        </p:cTn>
+                                        <p:tgtEl>
+                                          <p:spTgt spid="30">
+                                            <p:txEl>
+                                              <p:pRg st="0" end="0"/>
+                                            </p:txEl>
+                                          </p:spTgt>
+                                        </p:tgtEl>
+                                        <p:attrNameLst>
+                                          <p:attrName>style.visibility</p:attrName>
+                                        </p:attrNameLst>
+                                      </p:cBhvr>
+                                      <p:to>
+                                        <p:strVal val="visible"/>
+                                      </p:to>
+                                    </p:set>
+                                    <p:anim calcmode="lin" valueType="num">
+                                      <p:cBhvr>
+                                        <p:cTn id="7" dur="250" fill="hold"/>
+                                        <p:tgtEl>
+                                          <p:spTgt spid="30">
+                                            <p:txEl>
+                                              <p:pRg st="0" end="0"/>
+                                            </p:txEl>
+                                          </p:spTgt>
+                                        </p:tgtEl>
+                                        <p:attrNameLst>
+                                          <p:attrName>ppt_w</p:attrName>
+                                        </p:attrNameLst>
+                                      </p:cBhvr>
+                                      <p:tavLst>
+                                        <p:tav tm="0">
+                                          <p:val>
+                                            <p:fltVal val="0"/>
+                                          </p:val>
+                                        </p:tav>
+                                        <p:tav tm="100000">
+                                          <p:val>
+                                            <p:strVal val="#ppt_w"/>
+                                          </p:val>
+                                        </p:tav>
+                                      </p:tavLst>
+                                    </p:anim>
+                                    <p:anim calcmode="lin" valueType="num">
+                                      <p:cBhvr>
+                                        <p:cTn id="8" dur="250" fill="hold"/>
+                                        <p:tgtEl>
+                                          <p:spTgt spid="30">
+                                            <p:txEl>
+                                              <p:pRg st="0" end="0"/>
+                                            </p:txEl>
+                                          </p:spTgt>
+                                        </p:tgtEl>
+                                        <p:attrNameLst>
+                                          <p:attrName>ppt_h</p:attrName>
+                                        </p:attrNameLst>
+                                      </p:cBhvr>
+                                      <p:tavLst>
+                                        <p:tav tm="0">
+                                          <p:val>
+                                            <p:fltVal val="0"/>
+                                          </p:val>
+                                        </p:tav>
+                                        <p:tav tm="100000">
+                                          <p:val>
+                                            <p:strVal val="#ppt_h"/>
+                                          </p:val>
+                                        </p:tav>
+                                      </p:tavLst>
+                                    </p:anim>
+                                    <p:animEffect transition="in" filter="fade">
+                                      <p:cBhvr>
+                                        <p:cTn id="9" dur="250"/>
+                                        <p:tgtEl>
+                                          <p:spTgt spid="30">
+                                            <p:txEl>
+                                              <p:pRg st="0" end="0"/>
+                                            </p:txEl>
+                                          </p:spTgt>
+                                        </p:tgtEl>
+                                      </p:cBhvr>
+                                    </p:animEffect>
+                                  </p:childTnLst>
+                                </p:cTn>
+                              </p:par>
+                            </p:childTnLst>
+                          </p:cTn>
+                        </p:par>
+                        <p:par>
+                          <p:cTn id="10" fill="hold">
+                            <p:stCondLst>
+                              <p:cond delay="250"/>
+                            </p:stCondLst>
+                            <p:childTnLst>
+                              <p:par>
+                                <p:cTn id="11" presetID="53" presetClass="entr" presetSubtype="16" fill="hold" nodeType="afterEffect">
+                                  <p:stCondLst>
+                                    <p:cond delay="0"/>
+                                  </p:stCondLst>
+                                  <p:childTnLst>
+                                    <p:set>
+                                      <p:cBhvr>
+                                        <p:cTn id="12" dur="1" fill="hold">
+                                          <p:stCondLst>
+                                            <p:cond delay="0"/>
+                                          </p:stCondLst>
+                                        </p:cTn>
+                                        <p:tgtEl>
+                                          <p:spTgt spid="30">
+                                            <p:txEl>
+                                              <p:pRg st="1" end="1"/>
+                                            </p:txEl>
+                                          </p:spTgt>
+                                        </p:tgtEl>
+                                        <p:attrNameLst>
+                                          <p:attrName>style.visibility</p:attrName>
+                                        </p:attrNameLst>
+                                      </p:cBhvr>
+                                      <p:to>
+                                        <p:strVal val="visible"/>
+                                      </p:to>
+                                    </p:set>
+                                    <p:anim calcmode="lin" valueType="num">
+                                      <p:cBhvr>
+                                        <p:cTn id="13" dur="250" fill="hold"/>
+                                        <p:tgtEl>
+                                          <p:spTgt spid="30">
+                                            <p:txEl>
+                                              <p:pRg st="1" end="1"/>
+                                            </p:txEl>
+                                          </p:spTgt>
+                                        </p:tgtEl>
+                                        <p:attrNameLst>
+                                          <p:attrName>ppt_w</p:attrName>
+                                        </p:attrNameLst>
+                                      </p:cBhvr>
+                                      <p:tavLst>
+                                        <p:tav tm="0">
+                                          <p:val>
+                                            <p:fltVal val="0"/>
+                                          </p:val>
+                                        </p:tav>
+                                        <p:tav tm="100000">
+                                          <p:val>
+                                            <p:strVal val="#ppt_w"/>
+                                          </p:val>
+                                        </p:tav>
+                                      </p:tavLst>
+                                    </p:anim>
+                                    <p:anim calcmode="lin" valueType="num">
+                                      <p:cBhvr>
+                                        <p:cTn id="14" dur="250" fill="hold"/>
+                                        <p:tgtEl>
+                                          <p:spTgt spid="30">
+                                            <p:txEl>
+                                              <p:pRg st="1" end="1"/>
+                                            </p:txEl>
+                                          </p:spTgt>
+                                        </p:tgtEl>
+                                        <p:attrNameLst>
+                                          <p:attrName>ppt_h</p:attrName>
+                                        </p:attrNameLst>
+                                      </p:cBhvr>
+                                      <p:tavLst>
+                                        <p:tav tm="0">
+                                          <p:val>
+                                            <p:fltVal val="0"/>
+                                          </p:val>
+                                        </p:tav>
+                                        <p:tav tm="100000">
+                                          <p:val>
+                                            <p:strVal val="#ppt_h"/>
+                                          </p:val>
+                                        </p:tav>
+                                      </p:tavLst>
+                                    </p:anim>
+                                    <p:animEffect transition="in" filter="fade">
+                                      <p:cBhvr>
+                                        <p:cTn id="15" dur="250"/>
+                                        <p:tgtEl>
+                                          <p:spTgt spid="30">
+                                            <p:txEl>
+                                              <p:pRg st="1" end="1"/>
+                                            </p:txEl>
+                                          </p:spTgt>
+                                        </p:tgtEl>
+                                      </p:cBhvr>
+                                    </p:animEffect>
+                                  </p:childTnLst>
+                                </p:cTn>
+                              </p:par>
+                            </p:childTnLst>
+                          </p:cTn>
+                        </p:par>
+                      </p:childTnLst>
+                    </p:cTn>
+                  </p:par>
+                  <p:par>
+                    <p:cTn id="16" fill="hold">
+                      <p:stCondLst>
+                        <p:cond delay="indefinite"/>
+                      </p:stCondLst>
+                      <p:childTnLst>
+                        <p:par>
+                          <p:cTn id="17" fill="hold">
+                            <p:stCondLst>
+                              <p:cond delay="0"/>
+                            </p:stCondLst>
+                            <p:childTnLst>
+                              <p:par>
+                                <p:cTn id="18" presetID="53" presetClass="entr" presetSubtype="16" fill="hold" nodeType="clickEffect">
+                                  <p:stCondLst>
+                                    <p:cond delay="0"/>
+                                  </p:stCondLst>
+                                  <p:childTnLst>
+                                    <p:set>
+                                      <p:cBhvr>
+                                        <p:cTn id="19" dur="1" fill="hold">
+                                          <p:stCondLst>
+                                            <p:cond delay="0"/>
+                                          </p:stCondLst>
+                                        </p:cTn>
+                                        <p:tgtEl>
+                                          <p:spTgt spid="30">
+                                            <p:txEl>
+                                              <p:pRg st="2" end="2"/>
+                                            </p:txEl>
+                                          </p:spTgt>
+                                        </p:tgtEl>
+                                        <p:attrNameLst>
+                                          <p:attrName>style.visibility</p:attrName>
+                                        </p:attrNameLst>
+                                      </p:cBhvr>
+                                      <p:to>
+                                        <p:strVal val="visible"/>
+                                      </p:to>
+                                    </p:set>
+                                    <p:anim calcmode="lin" valueType="num">
+                                      <p:cBhvr>
+                                        <p:cTn id="20" dur="250" fill="hold"/>
+                                        <p:tgtEl>
+                                          <p:spTgt spid="30">
+                                            <p:txEl>
+                                              <p:pRg st="2" end="2"/>
+                                            </p:txEl>
+                                          </p:spTgt>
+                                        </p:tgtEl>
+                                        <p:attrNameLst>
+                                          <p:attrName>ppt_w</p:attrName>
+                                        </p:attrNameLst>
+                                      </p:cBhvr>
+                                      <p:tavLst>
+                                        <p:tav tm="0">
+                                          <p:val>
+                                            <p:fltVal val="0"/>
+                                          </p:val>
+                                        </p:tav>
+                                        <p:tav tm="100000">
+                                          <p:val>
+                                            <p:strVal val="#ppt_w"/>
+                                          </p:val>
+                                        </p:tav>
+                                      </p:tavLst>
+                                    </p:anim>
+                                    <p:anim calcmode="lin" valueType="num">
+                                      <p:cBhvr>
+                                        <p:cTn id="21" dur="250" fill="hold"/>
+                                        <p:tgtEl>
+                                          <p:spTgt spid="30">
+                                            <p:txEl>
+                                              <p:pRg st="2" end="2"/>
+                                            </p:txEl>
+                                          </p:spTgt>
+                                        </p:tgtEl>
+                                        <p:attrNameLst>
+                                          <p:attrName>ppt_h</p:attrName>
+                                        </p:attrNameLst>
+                                      </p:cBhvr>
+                                      <p:tavLst>
+                                        <p:tav tm="0">
+                                          <p:val>
+                                            <p:fltVal val="0"/>
+                                          </p:val>
+                                        </p:tav>
+                                        <p:tav tm="100000">
+                                          <p:val>
+                                            <p:strVal val="#ppt_h"/>
+                                          </p:val>
+                                        </p:tav>
+                                      </p:tavLst>
+                                    </p:anim>
+                                    <p:animEffect transition="in" filter="fade">
+                                      <p:cBhvr>
+                                        <p:cTn id="22" dur="250"/>
+                                        <p:tgtEl>
+                                          <p:spTgt spid="30">
+                                            <p:txEl>
+                                              <p:pRg st="2" end="2"/>
+                                            </p:txEl>
+                                          </p:spTgt>
+                                        </p:tgtEl>
+                                      </p:cBhvr>
+                                    </p:animEffect>
+                                  </p:childTnLst>
+                                </p:cTn>
+                              </p:par>
+                            </p:childTnLst>
+                          </p:cTn>
+                        </p:par>
+                      </p:childTnLst>
+                    </p:cTn>
+                  </p:par>
+                  <p:par>
+                    <p:cTn id="23" fill="hold">
+                      <p:stCondLst>
+                        <p:cond delay="indefinite"/>
+                      </p:stCondLst>
+                      <p:childTnLst>
+                        <p:par>
+                          <p:cTn id="24" fill="hold">
+                            <p:stCondLst>
+                              <p:cond delay="0"/>
+                            </p:stCondLst>
+                            <p:childTnLst>
+                              <p:par>
+                                <p:cTn id="25" presetID="53" presetClass="entr" presetSubtype="16" fill="hold" nodeType="clickEffect">
+                                  <p:stCondLst>
+                                    <p:cond delay="0"/>
+                                  </p:stCondLst>
+                                  <p:childTnLst>
+                                    <p:set>
+                                      <p:cBhvr>
+                                        <p:cTn id="26" dur="1" fill="hold">
+                                          <p:stCondLst>
+                                            <p:cond delay="0"/>
+                                          </p:stCondLst>
+                                        </p:cTn>
+                                        <p:tgtEl>
+                                          <p:spTgt spid="30">
+                                            <p:txEl>
+                                              <p:pRg st="3" end="3"/>
+                                            </p:txEl>
+                                          </p:spTgt>
+                                        </p:tgtEl>
+                                        <p:attrNameLst>
+                                          <p:attrName>style.visibility</p:attrName>
+                                        </p:attrNameLst>
+                                      </p:cBhvr>
+                                      <p:to>
+                                        <p:strVal val="visible"/>
+                                      </p:to>
+                                    </p:set>
+                                    <p:anim calcmode="lin" valueType="num">
+                                      <p:cBhvr>
+                                        <p:cTn id="27" dur="250" fill="hold"/>
+                                        <p:tgtEl>
+                                          <p:spTgt spid="30">
+                                            <p:txEl>
+                                              <p:pRg st="3" end="3"/>
+                                            </p:txEl>
+                                          </p:spTgt>
+                                        </p:tgtEl>
+                                        <p:attrNameLst>
+                                          <p:attrName>ppt_w</p:attrName>
+                                        </p:attrNameLst>
+                                      </p:cBhvr>
+                                      <p:tavLst>
+                                        <p:tav tm="0">
+                                          <p:val>
+                                            <p:fltVal val="0"/>
+                                          </p:val>
+                                        </p:tav>
+                                        <p:tav tm="100000">
+                                          <p:val>
+                                            <p:strVal val="#ppt_w"/>
+                                          </p:val>
+                                        </p:tav>
+                                      </p:tavLst>
+                                    </p:anim>
+                                    <p:anim calcmode="lin" valueType="num">
+                                      <p:cBhvr>
+                                        <p:cTn id="28" dur="250" fill="hold"/>
+                                        <p:tgtEl>
+                                          <p:spTgt spid="30">
+                                            <p:txEl>
+                                              <p:pRg st="3" end="3"/>
+                                            </p:txEl>
+                                          </p:spTgt>
+                                        </p:tgtEl>
+                                        <p:attrNameLst>
+                                          <p:attrName>ppt_h</p:attrName>
+                                        </p:attrNameLst>
+                                      </p:cBhvr>
+                                      <p:tavLst>
+                                        <p:tav tm="0">
+                                          <p:val>
+                                            <p:fltVal val="0"/>
+                                          </p:val>
+                                        </p:tav>
+                                        <p:tav tm="100000">
+                                          <p:val>
+                                            <p:strVal val="#ppt_h"/>
+                                          </p:val>
+                                        </p:tav>
+                                      </p:tavLst>
+                                    </p:anim>
+                                    <p:animEffect transition="in" filter="fade">
+                                      <p:cBhvr>
+                                        <p:cTn id="29" dur="250"/>
+                                        <p:tgtEl>
+                                          <p:spTgt spid="30">
+                                            <p:txEl>
+                                              <p:pRg st="3" end="3"/>
+                                            </p:txEl>
+                                          </p:spTgt>
+                                        </p:tgtEl>
+                                      </p:cBhvr>
+                                    </p:animEffect>
+                                  </p:childTnLst>
+                                </p:cTn>
+                              </p:par>
+                            </p:childTnLst>
+                          </p:cTn>
+                        </p:par>
+                      </p:childTnLst>
+                    </p:cTn>
+                  </p:par>
+                  <p:par>
+                    <p:cTn id="30" fill="hold">
+                      <p:stCondLst>
+                        <p:cond delay="indefinite"/>
+                      </p:stCondLst>
+                      <p:childTnLst>
+                        <p:par>
+                          <p:cTn id="31" fill="hold">
+                            <p:stCondLst>
+                              <p:cond delay="0"/>
+                            </p:stCondLst>
+                            <p:childTnLst>
+                              <p:par>
+                                <p:cTn id="32" presetID="53" presetClass="entr" presetSubtype="16" fill="hold" nodeType="clickEffect">
+                                  <p:stCondLst>
+                                    <p:cond delay="0"/>
+                                  </p:stCondLst>
+                                  <p:childTnLst>
+                                    <p:set>
+                                      <p:cBhvr>
+                                        <p:cTn id="33" dur="1" fill="hold">
+                                          <p:stCondLst>
+                                            <p:cond delay="0"/>
+                                          </p:stCondLst>
+                                        </p:cTn>
+                                        <p:tgtEl>
+                                          <p:spTgt spid="30">
+                                            <p:txEl>
+                                              <p:pRg st="4" end="4"/>
+                                            </p:txEl>
+                                          </p:spTgt>
+                                        </p:tgtEl>
+                                        <p:attrNameLst>
+                                          <p:attrName>style.visibility</p:attrName>
+                                        </p:attrNameLst>
+                                      </p:cBhvr>
+                                      <p:to>
+                                        <p:strVal val="visible"/>
+                                      </p:to>
+                                    </p:set>
+                                    <p:anim calcmode="lin" valueType="num">
+                                      <p:cBhvr>
+                                        <p:cTn id="34" dur="250" fill="hold"/>
+                                        <p:tgtEl>
+                                          <p:spTgt spid="30">
+                                            <p:txEl>
+                                              <p:pRg st="4" end="4"/>
+                                            </p:txEl>
+                                          </p:spTgt>
+                                        </p:tgtEl>
+                                        <p:attrNameLst>
+                                          <p:attrName>ppt_w</p:attrName>
+                                        </p:attrNameLst>
+                                      </p:cBhvr>
+                                      <p:tavLst>
+                                        <p:tav tm="0">
+                                          <p:val>
+                                            <p:fltVal val="0"/>
+                                          </p:val>
+                                        </p:tav>
+                                        <p:tav tm="100000">
+                                          <p:val>
+                                            <p:strVal val="#ppt_w"/>
+                                          </p:val>
+                                        </p:tav>
+                                      </p:tavLst>
+                                    </p:anim>
+                                    <p:anim calcmode="lin" valueType="num">
+                                      <p:cBhvr>
+                                        <p:cTn id="35" dur="250" fill="hold"/>
+                                        <p:tgtEl>
+                                          <p:spTgt spid="30">
+                                            <p:txEl>
+                                              <p:pRg st="4" end="4"/>
+                                            </p:txEl>
+                                          </p:spTgt>
+                                        </p:tgtEl>
+                                        <p:attrNameLst>
+                                          <p:attrName>ppt_h</p:attrName>
+                                        </p:attrNameLst>
+                                      </p:cBhvr>
+                                      <p:tavLst>
+                                        <p:tav tm="0">
+                                          <p:val>
+                                            <p:fltVal val="0"/>
+                                          </p:val>
+                                        </p:tav>
+                                        <p:tav tm="100000">
+                                          <p:val>
+                                            <p:strVal val="#ppt_h"/>
+                                          </p:val>
+                                        </p:tav>
+                                      </p:tavLst>
+                                    </p:anim>
+                                    <p:animEffect transition="in" filter="fade">
+                                      <p:cBhvr>
+                                        <p:cTn id="36" dur="250"/>
+                                        <p:tgtEl>
+                                          <p:spTgt spid="30">
+                                            <p:txEl>
+                                              <p:pRg st="4" end="4"/>
+                                            </p:txEl>
+                                          </p:spTgt>
+                                        </p:tgtEl>
+                                      </p:cBhvr>
+                                    </p:animEffect>
+                                  </p:childTnLst>
+                                </p:cTn>
+                              </p:par>
+                            </p:childTnLst>
+                          </p:cTn>
+                        </p:par>
+                      </p:childTnLst>
+                    </p:cTn>
+                  </p:par>
+                  <p:par>
+                    <p:cTn id="37" fill="hold">
+                      <p:stCondLst>
+                        <p:cond delay="indefinite"/>
+                      </p:stCondLst>
+                      <p:childTnLst>
+                        <p:par>
+                          <p:cTn id="38" fill="hold">
+                            <p:stCondLst>
+                              <p:cond delay="0"/>
+                            </p:stCondLst>
+                            <p:childTnLst>
+                              <p:par>
+                                <p:cTn id="39" presetID="53" presetClass="entr" presetSubtype="16" fill="hold" nodeType="clickEffect">
+                                  <p:stCondLst>
+                                    <p:cond delay="0"/>
+                                  </p:stCondLst>
+                                  <p:childTnLst>
+                                    <p:set>
+                                      <p:cBhvr>
+                                        <p:cTn id="40" dur="1" fill="hold">
+                                          <p:stCondLst>
+                                            <p:cond delay="0"/>
+                                          </p:stCondLst>
+                                        </p:cTn>
+                                        <p:tgtEl>
+                                          <p:spTgt spid="30">
+                                            <p:txEl>
+                                              <p:pRg st="5" end="5"/>
+                                            </p:txEl>
+                                          </p:spTgt>
+                                        </p:tgtEl>
+                                        <p:attrNameLst>
+                                          <p:attrName>style.visibility</p:attrName>
+                                        </p:attrNameLst>
+                                      </p:cBhvr>
+                                      <p:to>
+                                        <p:strVal val="visible"/>
+                                      </p:to>
+                                    </p:set>
+                                    <p:anim calcmode="lin" valueType="num">
+                                      <p:cBhvr>
+                                        <p:cTn id="41" dur="250" fill="hold"/>
+                                        <p:tgtEl>
+                                          <p:spTgt spid="30">
+                                            <p:txEl>
+                                              <p:pRg st="5" end="5"/>
+                                            </p:txEl>
+                                          </p:spTgt>
+                                        </p:tgtEl>
+                                        <p:attrNameLst>
+                                          <p:attrName>ppt_w</p:attrName>
+                                        </p:attrNameLst>
+                                      </p:cBhvr>
+                                      <p:tavLst>
+                                        <p:tav tm="0">
+                                          <p:val>
+                                            <p:fltVal val="0"/>
+                                          </p:val>
+                                        </p:tav>
+                                        <p:tav tm="100000">
+                                          <p:val>
+                                            <p:strVal val="#ppt_w"/>
+                                          </p:val>
+                                        </p:tav>
+                                      </p:tavLst>
+                                    </p:anim>
+                                    <p:anim calcmode="lin" valueType="num">
+                                      <p:cBhvr>
+                                        <p:cTn id="42" dur="250" fill="hold"/>
+                                        <p:tgtEl>
+                                          <p:spTgt spid="30">
+                                            <p:txEl>
+                                              <p:pRg st="5" end="5"/>
+                                            </p:txEl>
+                                          </p:spTgt>
+                                        </p:tgtEl>
+                                        <p:attrNameLst>
+                                          <p:attrName>ppt_h</p:attrName>
+                                        </p:attrNameLst>
+                                      </p:cBhvr>
+                                      <p:tavLst>
+                                        <p:tav tm="0">
+                                          <p:val>
+                                            <p:fltVal val="0"/>
+                                          </p:val>
+                                        </p:tav>
+                                        <p:tav tm="100000">
+                                          <p:val>
+                                            <p:strVal val="#ppt_h"/>
+                                          </p:val>
+                                        </p:tav>
+                                      </p:tavLst>
+                                    </p:anim>
+                                    <p:animEffect transition="in" filter="fade">
+                                      <p:cBhvr>
+                                        <p:cTn id="43" dur="250"/>
+                                        <p:tgtEl>
+                                          <p:spTgt spid="30">
+                                            <p:txEl>
+                                              <p:pRg st="5" end="5"/>
+                                            </p:txEl>
+                                          </p:spTgt>
+                                        </p:tgtEl>
+                                      </p:cBhvr>
+                                    </p:animEffect>
+                                  </p:childTnLst>
+                                </p:cTn>
+                              </p:par>
+                            </p:childTnLst>
+                          </p:cTn>
+                        </p:par>
+                      </p:childTnLst>
+                    </p:cTn>
+                  </p:par>
+                  <p:par>
+                    <p:cTn id="44" fill="hold">
+                      <p:stCondLst>
+                        <p:cond delay="indefinite"/>
+                      </p:stCondLst>
+                      <p:childTnLst>
+                        <p:par>
+                          <p:cTn id="45" fill="hold">
+                            <p:stCondLst>
+                              <p:cond delay="0"/>
+                            </p:stCondLst>
+                            <p:childTnLst>
+                              <p:par>
+                                <p:cTn id="46" presetID="53" presetClass="entr" presetSubtype="16" fill="hold" nodeType="clickEffect">
+                                  <p:stCondLst>
+                                    <p:cond delay="0"/>
+                                  </p:stCondLst>
+                                  <p:childTnLst>
+                                    <p:set>
+                                      <p:cBhvr>
+                                        <p:cTn id="47" dur="1" fill="hold">
+                                          <p:stCondLst>
+                                            <p:cond delay="0"/>
+                                          </p:stCondLst>
+                                        </p:cTn>
+                                        <p:tgtEl>
+                                          <p:spTgt spid="30">
+                                            <p:txEl>
+                                              <p:pRg st="7" end="7"/>
+                                            </p:txEl>
+                                          </p:spTgt>
+                                        </p:tgtEl>
+                                        <p:attrNameLst>
+                                          <p:attrName>style.visibility</p:attrName>
+                                        </p:attrNameLst>
+                                      </p:cBhvr>
+                                      <p:to>
+                                        <p:strVal val="visible"/>
+                                      </p:to>
+                                    </p:set>
+                                    <p:anim calcmode="lin" valueType="num">
+                                      <p:cBhvr>
+                                        <p:cTn id="48" dur="250" fill="hold"/>
+                                        <p:tgtEl>
+                                          <p:spTgt spid="30">
+                                            <p:txEl>
+                                              <p:pRg st="7" end="7"/>
+                                            </p:txEl>
+                                          </p:spTgt>
+                                        </p:tgtEl>
+                                        <p:attrNameLst>
+                                          <p:attrName>ppt_w</p:attrName>
+                                        </p:attrNameLst>
+                                      </p:cBhvr>
+                                      <p:tavLst>
+                                        <p:tav tm="0">
+                                          <p:val>
+                                            <p:fltVal val="0"/>
+                                          </p:val>
+                                        </p:tav>
+                                        <p:tav tm="100000">
+                                          <p:val>
+                                            <p:strVal val="#ppt_w"/>
+                                          </p:val>
+                                        </p:tav>
+                                      </p:tavLst>
+                                    </p:anim>
+                                    <p:anim calcmode="lin" valueType="num">
+                                      <p:cBhvr>
+                                        <p:cTn id="49" dur="250" fill="hold"/>
+                                        <p:tgtEl>
+                                          <p:spTgt spid="30">
+                                            <p:txEl>
+                                              <p:pRg st="7" end="7"/>
+                                            </p:txEl>
+                                          </p:spTgt>
+                                        </p:tgtEl>
+                                        <p:attrNameLst>
+                                          <p:attrName>ppt_h</p:attrName>
+                                        </p:attrNameLst>
+                                      </p:cBhvr>
+                                      <p:tavLst>
+                                        <p:tav tm="0">
+                                          <p:val>
+                                            <p:fltVal val="0"/>
+                                          </p:val>
+                                        </p:tav>
+                                        <p:tav tm="100000">
+                                          <p:val>
+                                            <p:strVal val="#ppt_h"/>
+                                          </p:val>
+                                        </p:tav>
+                                      </p:tavLst>
+                                    </p:anim>
+                                    <p:animEffect transition="in" filter="fade">
+                                      <p:cBhvr>
+                                        <p:cTn id="50" dur="250"/>
+                                        <p:tgtEl>
+                                          <p:spTgt spid="30">
+                                            <p:txEl>
+                                              <p:pRg st="7" end="7"/>
+                                            </p:txEl>
+                                          </p:spTgt>
+                                        </p:tgtEl>
+                                      </p:cBhvr>
+                                    </p:animEffect>
+                                  </p:childTnLst>
+                                </p:cTn>
+                              </p:par>
+                            </p:childTnLst>
+                          </p:cTn>
+                        </p:par>
+                        <p:par>
+                          <p:cTn id="51" fill="hold">
+                            <p:stCondLst>
+                              <p:cond delay="250"/>
+                            </p:stCondLst>
+                            <p:childTnLst>
+                              <p:par>
+                                <p:cTn id="52" presetID="53" presetClass="entr" presetSubtype="16" fill="hold" nodeType="afterEffect">
+                                  <p:stCondLst>
+                                    <p:cond delay="0"/>
+                                  </p:stCondLst>
+                                  <p:childTnLst>
+                                    <p:set>
+                                      <p:cBhvr>
+                                        <p:cTn id="53" dur="1" fill="hold">
+                                          <p:stCondLst>
+                                            <p:cond delay="0"/>
+                                          </p:stCondLst>
+                                        </p:cTn>
+                                        <p:tgtEl>
+                                          <p:spTgt spid="30">
+                                            <p:txEl>
+                                              <p:pRg st="8" end="8"/>
+                                            </p:txEl>
+                                          </p:spTgt>
+                                        </p:tgtEl>
+                                        <p:attrNameLst>
+                                          <p:attrName>style.visibility</p:attrName>
+                                        </p:attrNameLst>
+                                      </p:cBhvr>
+                                      <p:to>
+                                        <p:strVal val="visible"/>
+                                      </p:to>
+                                    </p:set>
+                                    <p:anim calcmode="lin" valueType="num">
+                                      <p:cBhvr>
+                                        <p:cTn id="54" dur="250" fill="hold"/>
+                                        <p:tgtEl>
+                                          <p:spTgt spid="30">
+                                            <p:txEl>
+                                              <p:pRg st="8" end="8"/>
+                                            </p:txEl>
+                                          </p:spTgt>
+                                        </p:tgtEl>
+                                        <p:attrNameLst>
+                                          <p:attrName>ppt_w</p:attrName>
+                                        </p:attrNameLst>
+                                      </p:cBhvr>
+                                      <p:tavLst>
+                                        <p:tav tm="0">
+                                          <p:val>
+                                            <p:fltVal val="0"/>
+                                          </p:val>
+                                        </p:tav>
+                                        <p:tav tm="100000">
+                                          <p:val>
+                                            <p:strVal val="#ppt_w"/>
+                                          </p:val>
+                                        </p:tav>
+                                      </p:tavLst>
+                                    </p:anim>
+                                    <p:anim calcmode="lin" valueType="num">
+                                      <p:cBhvr>
+                                        <p:cTn id="55" dur="250" fill="hold"/>
+                                        <p:tgtEl>
+                                          <p:spTgt spid="30">
+                                            <p:txEl>
+                                              <p:pRg st="8" end="8"/>
+                                            </p:txEl>
+                                          </p:spTgt>
+                                        </p:tgtEl>
+                                        <p:attrNameLst>
+                                          <p:attrName>ppt_h</p:attrName>
+                                        </p:attrNameLst>
+                                      </p:cBhvr>
+                                      <p:tavLst>
+                                        <p:tav tm="0">
+                                          <p:val>
+                                            <p:fltVal val="0"/>
+                                          </p:val>
+                                        </p:tav>
+                                        <p:tav tm="100000">
+                                          <p:val>
+                                            <p:strVal val="#ppt_h"/>
+                                          </p:val>
+                                        </p:tav>
+                                      </p:tavLst>
+                                    </p:anim>
+                                    <p:animEffect transition="in" filter="fade">
+                                      <p:cBhvr>
+                                        <p:cTn id="56" dur="250"/>
+                                        <p:tgtEl>
+                                          <p:spTgt spid="30">
+                                            <p:txEl>
+                                              <p:pRg st="8" end="8"/>
+                                            </p:txEl>
+                                          </p:spTgt>
+                                        </p:tgtEl>
+                                      </p:cBhvr>
+                                    </p:animEffect>
+                                  </p:childTnLst>
+                                </p:cTn>
+                              </p:par>
+                            </p:childTnLst>
+                          </p:cTn>
+                        </p:par>
+                      </p:childTnLst>
+                    </p:cTn>
+                  </p:par>
+                  <p:par>
+                    <p:cTn id="57" fill="hold">
+                      <p:stCondLst>
+                        <p:cond delay="indefinite"/>
+                      </p:stCondLst>
+                      <p:childTnLst>
+                        <p:par>
+                          <p:cTn id="58" fill="hold">
+                            <p:stCondLst>
+                              <p:cond delay="0"/>
+                            </p:stCondLst>
+                            <p:childTnLst>
+                              <p:par>
+                                <p:cTn id="59" presetID="53" presetClass="entr" presetSubtype="16" fill="hold" nodeType="clickEffect">
+                                  <p:stCondLst>
+                                    <p:cond delay="0"/>
+                                  </p:stCondLst>
+                                  <p:childTnLst>
+                                    <p:set>
+                                      <p:cBhvr>
+                                        <p:cTn id="60" dur="1" fill="hold">
+                                          <p:stCondLst>
+                                            <p:cond delay="0"/>
+                                          </p:stCondLst>
+                                        </p:cTn>
+                                        <p:tgtEl>
+                                          <p:spTgt spid="30">
+                                            <p:txEl>
+                                              <p:pRg st="9" end="9"/>
+                                            </p:txEl>
+                                          </p:spTgt>
+                                        </p:tgtEl>
+                                        <p:attrNameLst>
+                                          <p:attrName>style.visibility</p:attrName>
+                                        </p:attrNameLst>
+                                      </p:cBhvr>
+                                      <p:to>
+                                        <p:strVal val="visible"/>
+                                      </p:to>
+                                    </p:set>
+                                    <p:anim calcmode="lin" valueType="num">
+                                      <p:cBhvr>
+                                        <p:cTn id="61" dur="250" fill="hold"/>
+                                        <p:tgtEl>
+                                          <p:spTgt spid="30">
+                                            <p:txEl>
+                                              <p:pRg st="9" end="9"/>
+                                            </p:txEl>
+                                          </p:spTgt>
+                                        </p:tgtEl>
+                                        <p:attrNameLst>
+                                          <p:attrName>ppt_w</p:attrName>
+                                        </p:attrNameLst>
+                                      </p:cBhvr>
+                                      <p:tavLst>
+                                        <p:tav tm="0">
+                                          <p:val>
+                                            <p:fltVal val="0"/>
+                                          </p:val>
+                                        </p:tav>
+                                        <p:tav tm="100000">
+                                          <p:val>
+                                            <p:strVal val="#ppt_w"/>
+                                          </p:val>
+                                        </p:tav>
+                                      </p:tavLst>
+                                    </p:anim>
+                                    <p:anim calcmode="lin" valueType="num">
+                                      <p:cBhvr>
+                                        <p:cTn id="62" dur="250" fill="hold"/>
+                                        <p:tgtEl>
+                                          <p:spTgt spid="30">
+                                            <p:txEl>
+                                              <p:pRg st="9" end="9"/>
+                                            </p:txEl>
+                                          </p:spTgt>
+                                        </p:tgtEl>
+                                        <p:attrNameLst>
+                                          <p:attrName>ppt_h</p:attrName>
+                                        </p:attrNameLst>
+                                      </p:cBhvr>
+                                      <p:tavLst>
+                                        <p:tav tm="0">
+                                          <p:val>
+                                            <p:fltVal val="0"/>
+                                          </p:val>
+                                        </p:tav>
+                                        <p:tav tm="100000">
+                                          <p:val>
+                                            <p:strVal val="#ppt_h"/>
+                                          </p:val>
+                                        </p:tav>
+                                      </p:tavLst>
+                                    </p:anim>
+                                    <p:animEffect transition="in" filter="fade">
+                                      <p:cBhvr>
+                                        <p:cTn id="63" dur="250"/>
+                                        <p:tgtEl>
+                                          <p:spTgt spid="30">
+                                            <p:txEl>
+                                              <p:pRg st="9" end="9"/>
+                                            </p:txEl>
+                                          </p:spTgt>
+                                        </p:tgtEl>
+                                      </p:cBhvr>
+                                    </p:animEffect>
+                                  </p:childTnLst>
+                                </p:cTn>
+                              </p:par>
+                            </p:childTnLst>
+                          </p:cTn>
+                        </p:par>
+                      </p:childTnLst>
+                    </p:cTn>
+                  </p:par>
+                  <p:par>
+                    <p:cTn id="64" fill="hold">
+                      <p:stCondLst>
+                        <p:cond delay="indefinite"/>
+                      </p:stCondLst>
+                      <p:childTnLst>
+                        <p:par>
+                          <p:cTn id="65" fill="hold">
+                            <p:stCondLst>
+                              <p:cond delay="0"/>
+                            </p:stCondLst>
+                            <p:childTnLst>
+                              <p:par>
+                                <p:cTn id="66" presetID="53" presetClass="entr" presetSubtype="16" fill="hold" nodeType="clickEffect">
+                                  <p:stCondLst>
+                                    <p:cond delay="0"/>
+                                  </p:stCondLst>
+                                  <p:childTnLst>
+                                    <p:set>
+                                      <p:cBhvr>
+                                        <p:cTn id="67" dur="1" fill="hold">
+                                          <p:stCondLst>
+                                            <p:cond delay="0"/>
+                                          </p:stCondLst>
+                                        </p:cTn>
+                                        <p:tgtEl>
+                                          <p:spTgt spid="30">
+                                            <p:txEl>
+                                              <p:pRg st="10" end="10"/>
+                                            </p:txEl>
+                                          </p:spTgt>
+                                        </p:tgtEl>
+                                        <p:attrNameLst>
+                                          <p:attrName>style.visibility</p:attrName>
+                                        </p:attrNameLst>
+                                      </p:cBhvr>
+                                      <p:to>
+                                        <p:strVal val="visible"/>
+                                      </p:to>
+                                    </p:set>
+                                    <p:anim calcmode="lin" valueType="num">
+                                      <p:cBhvr>
+                                        <p:cTn id="68" dur="250" fill="hold"/>
+                                        <p:tgtEl>
+                                          <p:spTgt spid="30">
+                                            <p:txEl>
+                                              <p:pRg st="10" end="10"/>
+                                            </p:txEl>
+                                          </p:spTgt>
+                                        </p:tgtEl>
+                                        <p:attrNameLst>
+                                          <p:attrName>ppt_w</p:attrName>
+                                        </p:attrNameLst>
+                                      </p:cBhvr>
+                                      <p:tavLst>
+                                        <p:tav tm="0">
+                                          <p:val>
+                                            <p:fltVal val="0"/>
+                                          </p:val>
+                                        </p:tav>
+                                        <p:tav tm="100000">
+                                          <p:val>
+                                            <p:strVal val="#ppt_w"/>
+                                          </p:val>
+                                        </p:tav>
+                                      </p:tavLst>
+                                    </p:anim>
+                                    <p:anim calcmode="lin" valueType="num">
+                                      <p:cBhvr>
+                                        <p:cTn id="69" dur="250" fill="hold"/>
+                                        <p:tgtEl>
+                                          <p:spTgt spid="30">
+                                            <p:txEl>
+                                              <p:pRg st="10" end="10"/>
+                                            </p:txEl>
+                                          </p:spTgt>
+                                        </p:tgtEl>
+                                        <p:attrNameLst>
+                                          <p:attrName>ppt_h</p:attrName>
+                                        </p:attrNameLst>
+                                      </p:cBhvr>
+                                      <p:tavLst>
+                                        <p:tav tm="0">
+                                          <p:val>
+                                            <p:fltVal val="0"/>
+                                          </p:val>
+                                        </p:tav>
+                                        <p:tav tm="100000">
+                                          <p:val>
+                                            <p:strVal val="#ppt_h"/>
+                                          </p:val>
+                                        </p:tav>
+                                      </p:tavLst>
+                                    </p:anim>
+                                    <p:animEffect transition="in" filter="fade">
+                                      <p:cBhvr>
+                                        <p:cTn id="70" dur="250"/>
+                                        <p:tgtEl>
+                                          <p:spTgt spid="30">
+                                            <p:txEl>
+                                              <p:pRg st="10" end="10"/>
+                                            </p:txEl>
+                                          </p:spTgt>
+                                        </p:tgtEl>
+                                      </p:cBhvr>
+                                    </p:animEffect>
+                                  </p:childTnLst>
+                                </p:cTn>
+                              </p:par>
+                            </p:childTnLst>
+                          </p:cTn>
+                        </p:par>
+                      </p:childTnLst>
+                    </p:cTn>
+                  </p:par>
+                  <p:par>
+                    <p:cTn id="71" fill="hold">
+                      <p:stCondLst>
+                        <p:cond delay="indefinite"/>
+                      </p:stCondLst>
+                      <p:childTnLst>
+                        <p:par>
+                          <p:cTn id="72" fill="hold">
+                            <p:stCondLst>
+                              <p:cond delay="0"/>
+                            </p:stCondLst>
+                            <p:childTnLst>
+                              <p:par>
+                                <p:cTn id="73" presetID="2" presetClass="entr" presetSubtype="2" fill="hold" nodeType="clickEffect">
+                                  <p:stCondLst>
+                                    <p:cond delay="0"/>
+                                  </p:stCondLst>
+                                  <p:childTnLst>
+                                    <p:set>
+                                      <p:cBhvr>
+                                        <p:cTn id="74" dur="1" fill="hold">
+                                          <p:stCondLst>
+                                            <p:cond delay="0"/>
+                                          </p:stCondLst>
+                                        </p:cTn>
+                                        <p:tgtEl>
+                                          <p:spTgt spid="4"/>
+                                        </p:tgtEl>
+                                        <p:attrNameLst>
+                                          <p:attrName>style.visibility</p:attrName>
+                                        </p:attrNameLst>
+                                      </p:cBhvr>
+                                      <p:to>
+                                        <p:strVal val="visible"/>
+                                      </p:to>
+                                    </p:set>
+                                    <p:anim calcmode="lin" valueType="num">
+                                      <p:cBhvr additive="base">
+                                        <p:cTn id="75" dur="250" fill="hold"/>
+                                        <p:tgtEl>
+                                          <p:spTgt spid="4"/>
+                                        </p:tgtEl>
+                                        <p:attrNameLst>
+                                          <p:attrName>ppt_x</p:attrName>
+                                        </p:attrNameLst>
+                                      </p:cBhvr>
+                                      <p:tavLst>
+                                        <p:tav tm="0">
+                                          <p:val>
+                                            <p:strVal val="1+#ppt_w/2"/>
+                                          </p:val>
+                                        </p:tav>
+                                        <p:tav tm="100000">
+                                          <p:val>
+                                            <p:strVal val="#ppt_x"/>
+                                          </p:val>
+                                        </p:tav>
+                                      </p:tavLst>
+                                    </p:anim>
+                                    <p:anim calcmode="lin" valueType="num">
+                                      <p:cBhvr additive="base">
+                                        <p:cTn id="76" dur="250" fill="hold"/>
+                                        <p:tgtEl>
+                                          <p:spTgt spid="4"/>
+                                        </p:tgtEl>
+                                        <p:attrNameLst>
+                                          <p:attrName>ppt_y</p:attrName>
+                                        </p:attrNameLst>
+                                      </p:cBhvr>
+                                      <p:tavLst>
+                                        <p:tav tm="0">
+                                          <p:val>
+                                            <p:strVal val="#ppt_y"/>
+                                          </p:val>
+                                        </p:tav>
+                                        <p:tav tm="100000">
+                                          <p:val>
+                                            <p:strVal val="#ppt_y"/>
+                                          </p:val>
+                                        </p:tav>
+                                      </p:tavLst>
+                                    </p:anim>
+                                  </p:childTnLst>
+                                </p:cTn>
+                              </p:par>
+                            </p:childTnLst>
+                          </p:cTn>
+                        </p:par>
+                      </p:childTnLst>
+                    </p:cTn>
+                  </p:par>
+                  <p:par>
+                    <p:cTn id="77" fill="hold">
+                      <p:stCondLst>
+                        <p:cond delay="indefinite"/>
+                      </p:stCondLst>
+                      <p:childTnLst>
+                        <p:par>
+                          <p:cTn id="78" fill="hold">
+                            <p:stCondLst>
+                              <p:cond delay="0"/>
+                            </p:stCondLst>
+                            <p:childTnLst>
+                              <p:par>
+                                <p:cTn id="79" presetID="2" presetClass="exit" presetSubtype="2" fill="hold" nodeType="clickEffect">
+                                  <p:stCondLst>
+                                    <p:cond delay="0"/>
+                                  </p:stCondLst>
+                                  <p:childTnLst>
+                                    <p:anim calcmode="lin" valueType="num">
+                                      <p:cBhvr additive="base">
+                                        <p:cTn id="80" dur="250"/>
+                                        <p:tgtEl>
+                                          <p:spTgt spid="4"/>
+                                        </p:tgtEl>
+                                        <p:attrNameLst>
+                                          <p:attrName>ppt_x</p:attrName>
+                                        </p:attrNameLst>
+                                      </p:cBhvr>
+                                      <p:tavLst>
+                                        <p:tav tm="0">
+                                          <p:val>
+                                            <p:strVal val="ppt_x"/>
+                                          </p:val>
+                                        </p:tav>
+                                        <p:tav tm="100000">
+                                          <p:val>
+                                            <p:strVal val="1+ppt_w/2"/>
+                                          </p:val>
+                                        </p:tav>
+                                      </p:tavLst>
+                                    </p:anim>
+                                    <p:anim calcmode="lin" valueType="num">
+                                      <p:cBhvr additive="base">
+                                        <p:cTn id="81" dur="250"/>
+                                        <p:tgtEl>
+                                          <p:spTgt spid="4"/>
+                                        </p:tgtEl>
+                                        <p:attrNameLst>
+                                          <p:attrName>ppt_y</p:attrName>
+                                        </p:attrNameLst>
+                                      </p:cBhvr>
+                                      <p:tavLst>
+                                        <p:tav tm="0">
+                                          <p:val>
+                                            <p:strVal val="ppt_y"/>
+                                          </p:val>
+                                        </p:tav>
+                                        <p:tav tm="100000">
+                                          <p:val>
+                                            <p:strVal val="ppt_y"/>
+                                          </p:val>
+                                        </p:tav>
+                                      </p:tavLst>
+                                    </p:anim>
+                                    <p:set>
+                                      <p:cBhvr>
+                                        <p:cTn id="82" dur="1" fill="hold">
+                                          <p:stCondLst>
+                                            <p:cond delay="249"/>
+                                          </p:stCondLst>
+                                        </p:cTn>
+                                        <p:tgtEl>
+                                          <p:spTgt spid="4"/>
+                                        </p:tgtEl>
+                                        <p:attrNameLst>
+                                          <p:attrName>style.visibility</p:attrName>
+                                        </p:attrNameLst>
+                                      </p:cBhvr>
+                                      <p:to>
+                                        <p:strVal val="hidden"/>
+                                      </p:to>
+                                    </p:set>
+                                  </p:childTnLst>
+                                </p:cTn>
+                              </p:par>
+                            </p:childTnLst>
+                          </p:cTn>
+                        </p:par>
+                        <p:par>
+                          <p:cTn id="83" fill="hold">
+                            <p:stCondLst>
+                              <p:cond delay="250"/>
+                            </p:stCondLst>
+                            <p:childTnLst>
+                              <p:par>
+                                <p:cTn id="84" presetID="53" presetClass="entr" presetSubtype="16" fill="hold" nodeType="afterEffect">
+                                  <p:stCondLst>
+                                    <p:cond delay="0"/>
+                                  </p:stCondLst>
+                                  <p:childTnLst>
+                                    <p:set>
+                                      <p:cBhvr>
+                                        <p:cTn id="85" dur="1" fill="hold">
+                                          <p:stCondLst>
+                                            <p:cond delay="0"/>
+                                          </p:stCondLst>
+                                        </p:cTn>
+                                        <p:tgtEl>
+                                          <p:spTgt spid="30">
+                                            <p:txEl>
+                                              <p:pRg st="11" end="11"/>
+                                            </p:txEl>
+                                          </p:spTgt>
+                                        </p:tgtEl>
+                                        <p:attrNameLst>
+                                          <p:attrName>style.visibility</p:attrName>
+                                        </p:attrNameLst>
+                                      </p:cBhvr>
+                                      <p:to>
+                                        <p:strVal val="visible"/>
+                                      </p:to>
+                                    </p:set>
+                                    <p:anim calcmode="lin" valueType="num">
+                                      <p:cBhvr>
+                                        <p:cTn id="86" dur="250" fill="hold"/>
+                                        <p:tgtEl>
+                                          <p:spTgt spid="30">
+                                            <p:txEl>
+                                              <p:pRg st="11" end="11"/>
+                                            </p:txEl>
+                                          </p:spTgt>
+                                        </p:tgtEl>
+                                        <p:attrNameLst>
+                                          <p:attrName>ppt_w</p:attrName>
+                                        </p:attrNameLst>
+                                      </p:cBhvr>
+                                      <p:tavLst>
+                                        <p:tav tm="0">
+                                          <p:val>
+                                            <p:fltVal val="0"/>
+                                          </p:val>
+                                        </p:tav>
+                                        <p:tav tm="100000">
+                                          <p:val>
+                                            <p:strVal val="#ppt_w"/>
+                                          </p:val>
+                                        </p:tav>
+                                      </p:tavLst>
+                                    </p:anim>
+                                    <p:anim calcmode="lin" valueType="num">
+                                      <p:cBhvr>
+                                        <p:cTn id="87" dur="250" fill="hold"/>
+                                        <p:tgtEl>
+                                          <p:spTgt spid="30">
+                                            <p:txEl>
+                                              <p:pRg st="11" end="11"/>
+                                            </p:txEl>
+                                          </p:spTgt>
+                                        </p:tgtEl>
+                                        <p:attrNameLst>
+                                          <p:attrName>ppt_h</p:attrName>
+                                        </p:attrNameLst>
+                                      </p:cBhvr>
+                                      <p:tavLst>
+                                        <p:tav tm="0">
+                                          <p:val>
+                                            <p:fltVal val="0"/>
+                                          </p:val>
+                                        </p:tav>
+                                        <p:tav tm="100000">
+                                          <p:val>
+                                            <p:strVal val="#ppt_h"/>
+                                          </p:val>
+                                        </p:tav>
+                                      </p:tavLst>
+                                    </p:anim>
+                                    <p:animEffect transition="in" filter="fade">
+                                      <p:cBhvr>
+                                        <p:cTn id="88" dur="250"/>
+                                        <p:tgtEl>
+                                          <p:spTgt spid="30">
+                                            <p:txEl>
+                                              <p:pRg st="11" end="11"/>
+                                            </p:txEl>
+                                          </p:spTgt>
+                                        </p:tgtEl>
+                                      </p:cBhvr>
+                                    </p:animEffect>
+                                  </p:childTnLst>
+                                </p:cTn>
+                              </p:par>
+                            </p:childTnLst>
+                          </p:cTn>
+                        </p:par>
+                      </p:childTnLst>
+                    </p:cTn>
+                  </p:par>
+                </p:childTnLst>
+              </p:cTn>
+              <p:prevCondLst>
+                <p:cond evt="onPrev" delay="0">
+                  <p:tgtEl>
+                    <p:sldTgt/>
+                  </p:tgtEl>
+                </p:cond>
+              </p:prevCondLst>
+              <p:nextCondLst>
+                <p:cond evt="onNext" delay="0">
+                  <p:tgtEl>
+                    <p:sldTgt/>
+                  </p:tgtEl>
+                </p:cond>
+              </p:nextCondLst>
+            </p:seq>
+          </p:childTnLst>
+        </p:cTn>
+      </p:par>
+    </p:tnLst>
+  </p:timing>
+</p:sld>
+</file>
+
+<file path=ppt/slides/slide13.xml><?xml version="1.0" encoding="utf-8"?>
+<p:sld xmlns:a="http://schemas.openxmlformats.org/drawingml/2006/main" xmlns:r="http://schemas.openxmlformats.org/officeDocument/2006/relationships" xmlns:p="http://schemas.openxmlformats.org/presentationml/2006/main">
+  <p:cSld>
+    <p:spTree>
+      <p:nvGrpSpPr>
+        <p:cNvPr id="1" name=""/>
+        <p:cNvGrpSpPr/>
+        <p:nvPr/>
+      </p:nvGrpSpPr>
+      <p:grpSpPr>
+        <a:xfrm>
+          <a:off x="0" y="0"/>
+          <a:ext cx="0" cy="0"/>
+          <a:chOff x="0" y="0"/>
+          <a:chExt cx="0" cy="0"/>
+        </a:xfrm>
+      </p:grpSpPr>
+      <p:sp>
+        <p:nvSpPr>
+          <p:cNvPr id="2" name="Title 1">
+            <a:extLst>
+              <a:ext uri="{FF2B5EF4-FFF2-40B4-BE49-F238E27FC236}">
+                <a16:creationId xmlns:a16="http://schemas.microsoft.com/office/drawing/2014/main" id="{6719F29B-F233-48AF-8261-F33A4E079E3E}"/>
+              </a:ext>
+              <a:ext uri="{C183D7F6-B498-43B3-948B-1728B52AA6E4}">
+                <adec:decorative xmlns:adec="http://schemas.microsoft.com/office/drawing/2017/decorative" val="0"/>
+              </a:ext>
+            </a:extLst>
+          </p:cNvPr>
+          <p:cNvSpPr>
+            <a:spLocks noGrp="1"/>
+          </p:cNvSpPr>
+          <p:nvPr>
+            <p:ph type="title"/>
+          </p:nvPr>
+        </p:nvSpPr>
+        <p:spPr>
+          <a:xfrm>
+            <a:off x="436570" y="353683"/>
+            <a:ext cx="7284072" cy="1429961"/>
+          </a:xfrm>
+        </p:spPr>
+        <p:txBody>
+          <a:bodyPr rtlCol="0">
+            <a:noAutofit/>
+          </a:bodyPr>
+          <a:lstStyle/>
+          <a:p>
+            <a:pPr rtl="0"/>
+            <a:r>
+              <a:rPr lang="da-DK" sz="4800" dirty="0"/>
+              <a:t>Hvad kompileres TypeScript til?</a:t>
+            </a:r>
+          </a:p>
+        </p:txBody>
+      </p:sp>
+      <p:sp>
+        <p:nvSpPr>
+          <p:cNvPr id="8" name="TextBox 7">
+            <a:extLst>
+              <a:ext uri="{FF2B5EF4-FFF2-40B4-BE49-F238E27FC236}">
+                <a16:creationId xmlns:a16="http://schemas.microsoft.com/office/drawing/2014/main" id="{46383BB5-64E4-3B6B-FB0A-DDB198426101}"/>
+              </a:ext>
+            </a:extLst>
+          </p:cNvPr>
+          <p:cNvSpPr txBox="1"/>
+          <p:nvPr/>
+        </p:nvSpPr>
+        <p:spPr>
+          <a:xfrm>
+            <a:off x="436570" y="1783644"/>
+            <a:ext cx="5230986" cy="3416320"/>
+          </a:xfrm>
+          <a:prstGeom prst="rect">
+            <a:avLst/>
+          </a:prstGeom>
+          <a:noFill/>
+        </p:spPr>
+        <p:txBody>
+          <a:bodyPr wrap="square" rtlCol="0">
+            <a:spAutoFit/>
+          </a:bodyPr>
+          <a:lstStyle/>
+          <a:p>
+            <a:pPr marL="252000" indent="-180000">
+              <a:buFont typeface="Arial" panose="020B0604020202020204" pitchFamily="34" charset="0"/>
+              <a:buChar char="•"/>
+            </a:pPr>
+            <a:r>
+              <a:rPr lang="da-DK" dirty="0" err="1">
+                <a:solidFill>
+                  <a:schemeClr val="bg1"/>
+                </a:solidFill>
+              </a:rPr>
+              <a:t>tsconfig.json</a:t>
+            </a:r>
+            <a:endParaRPr lang="da-DK" dirty="0">
+              <a:solidFill>
+                <a:schemeClr val="bg1"/>
+              </a:solidFill>
+            </a:endParaRPr>
+          </a:p>
+          <a:p>
+            <a:pPr marL="709200" lvl="1" indent="-180000">
+              <a:buFont typeface="Arial" panose="020B0604020202020204" pitchFamily="34" charset="0"/>
+              <a:buChar char="•"/>
+            </a:pPr>
+            <a:r>
+              <a:rPr lang="da-DK" dirty="0" err="1">
+                <a:solidFill>
+                  <a:schemeClr val="bg1"/>
+                </a:solidFill>
+              </a:rPr>
+              <a:t>target</a:t>
+            </a:r>
+            <a:endParaRPr lang="da-DK" dirty="0">
+              <a:solidFill>
+                <a:schemeClr val="bg1"/>
+              </a:solidFill>
+            </a:endParaRPr>
+          </a:p>
+          <a:p>
+            <a:pPr marL="1166400" lvl="2" indent="-180000">
+              <a:buFont typeface="Arial" panose="020B0604020202020204" pitchFamily="34" charset="0"/>
+              <a:buChar char="•"/>
+            </a:pPr>
+            <a:r>
+              <a:rPr lang="da-DK" dirty="0">
+                <a:solidFill>
+                  <a:schemeClr val="bg1"/>
+                </a:solidFill>
+              </a:rPr>
+              <a:t>ES5, ES6 &amp; </a:t>
+            </a:r>
+            <a:r>
+              <a:rPr lang="da-DK" dirty="0" err="1">
+                <a:solidFill>
+                  <a:schemeClr val="bg1"/>
+                </a:solidFill>
+              </a:rPr>
+              <a:t>ESNext</a:t>
+            </a:r>
+            <a:endParaRPr lang="da-DK" dirty="0">
+              <a:solidFill>
+                <a:schemeClr val="bg1"/>
+              </a:solidFill>
+            </a:endParaRPr>
+          </a:p>
+          <a:p>
+            <a:pPr marL="709200" lvl="1" indent="-180000">
+              <a:buFont typeface="Arial" panose="020B0604020202020204" pitchFamily="34" charset="0"/>
+              <a:buChar char="•"/>
+            </a:pPr>
+            <a:r>
+              <a:rPr lang="da-DK" dirty="0" err="1">
+                <a:solidFill>
+                  <a:schemeClr val="bg1"/>
+                </a:solidFill>
+              </a:rPr>
+              <a:t>sourceMap</a:t>
+            </a:r>
+            <a:endParaRPr lang="da-DK" dirty="0">
+              <a:solidFill>
+                <a:schemeClr val="bg1"/>
+              </a:solidFill>
+            </a:endParaRPr>
+          </a:p>
+          <a:p>
+            <a:pPr marL="709200" lvl="1" indent="-180000">
+              <a:buFont typeface="Arial" panose="020B0604020202020204" pitchFamily="34" charset="0"/>
+              <a:buChar char="•"/>
+            </a:pPr>
+            <a:r>
+              <a:rPr lang="da-DK" dirty="0" err="1">
+                <a:solidFill>
+                  <a:schemeClr val="bg1"/>
+                </a:solidFill>
+              </a:rPr>
+              <a:t>Declaration</a:t>
+            </a:r>
+            <a:endParaRPr lang="da-DK" dirty="0">
+              <a:solidFill>
+                <a:schemeClr val="bg1"/>
+              </a:solidFill>
+            </a:endParaRPr>
+          </a:p>
+          <a:p>
+            <a:pPr marL="252000" indent="-180000">
+              <a:buFont typeface="Arial" panose="020B0604020202020204" pitchFamily="34" charset="0"/>
+              <a:buChar char="•"/>
+            </a:pPr>
+            <a:r>
+              <a:rPr lang="da-DK" dirty="0" err="1">
+                <a:solidFill>
+                  <a:schemeClr val="bg1"/>
+                </a:solidFill>
+              </a:rPr>
+              <a:t>JSDoc</a:t>
+            </a:r>
+            <a:endParaRPr lang="da-DK" dirty="0">
+              <a:solidFill>
+                <a:schemeClr val="bg1"/>
+              </a:solidFill>
+            </a:endParaRPr>
+          </a:p>
+          <a:p>
+            <a:pPr marL="709200" lvl="1" indent="-180000">
+              <a:buFont typeface="Arial" panose="020B0604020202020204" pitchFamily="34" charset="0"/>
+              <a:buChar char="•"/>
+            </a:pPr>
+            <a:r>
+              <a:rPr lang="da-DK" dirty="0">
+                <a:solidFill>
+                  <a:schemeClr val="bg1"/>
+                </a:solidFill>
+              </a:rPr>
+              <a:t>Typer i JavaScript via </a:t>
+            </a:r>
+            <a:r>
+              <a:rPr lang="da-DK" dirty="0" err="1">
+                <a:solidFill>
+                  <a:schemeClr val="bg1"/>
+                </a:solidFill>
+              </a:rPr>
+              <a:t>summaries</a:t>
+            </a:r>
+            <a:endParaRPr lang="da-DK" dirty="0">
+              <a:solidFill>
+                <a:schemeClr val="bg1"/>
+              </a:solidFill>
+            </a:endParaRPr>
+          </a:p>
+          <a:p>
+            <a:pPr marL="252000" indent="-180000">
+              <a:buFont typeface="Arial" panose="020B0604020202020204" pitchFamily="34" charset="0"/>
+              <a:buChar char="•"/>
+            </a:pPr>
+            <a:r>
+              <a:rPr lang="da-DK" dirty="0">
+                <a:solidFill>
+                  <a:schemeClr val="bg1"/>
+                </a:solidFill>
+              </a:rPr>
+              <a:t>TS </a:t>
+            </a:r>
+            <a:r>
+              <a:rPr lang="da-DK" dirty="0" err="1">
+                <a:solidFill>
+                  <a:schemeClr val="bg1"/>
+                </a:solidFill>
+              </a:rPr>
+              <a:t>vs</a:t>
+            </a:r>
+            <a:r>
+              <a:rPr lang="da-DK" dirty="0">
+                <a:solidFill>
+                  <a:schemeClr val="bg1"/>
+                </a:solidFill>
+              </a:rPr>
+              <a:t> </a:t>
+            </a:r>
+            <a:r>
+              <a:rPr lang="da-DK" dirty="0" err="1">
+                <a:solidFill>
+                  <a:schemeClr val="bg1"/>
+                </a:solidFill>
+              </a:rPr>
+              <a:t>JSDoc</a:t>
+            </a:r>
+            <a:endParaRPr lang="da-DK" dirty="0">
+              <a:solidFill>
+                <a:schemeClr val="bg1"/>
+              </a:solidFill>
+            </a:endParaRPr>
+          </a:p>
+          <a:p>
+            <a:pPr marL="709200" lvl="1" indent="-180000">
+              <a:buFont typeface="Arial" panose="020B0604020202020204" pitchFamily="34" charset="0"/>
+              <a:buChar char="•"/>
+            </a:pPr>
+            <a:r>
+              <a:rPr lang="da-DK" dirty="0">
+                <a:solidFill>
+                  <a:schemeClr val="bg1"/>
+                </a:solidFill>
+              </a:rPr>
+              <a:t>Custom objekt type</a:t>
+            </a:r>
+          </a:p>
+          <a:p>
+            <a:pPr marL="709200" lvl="1" indent="-180000">
+              <a:buFont typeface="Arial" panose="020B0604020202020204" pitchFamily="34" charset="0"/>
+              <a:buChar char="•"/>
+            </a:pPr>
+            <a:r>
+              <a:rPr lang="da-DK" dirty="0" err="1">
+                <a:solidFill>
+                  <a:schemeClr val="bg1"/>
+                </a:solidFill>
+              </a:rPr>
+              <a:t>Protection</a:t>
+            </a:r>
+            <a:r>
+              <a:rPr lang="da-DK" dirty="0">
+                <a:solidFill>
+                  <a:schemeClr val="bg1"/>
+                </a:solidFill>
+              </a:rPr>
+              <a:t> </a:t>
+            </a:r>
+            <a:r>
+              <a:rPr lang="da-DK" dirty="0" err="1">
+                <a:solidFill>
+                  <a:schemeClr val="bg1"/>
+                </a:solidFill>
+              </a:rPr>
+              <a:t>modifier</a:t>
+            </a:r>
+            <a:endParaRPr lang="da-DK" dirty="0">
+              <a:solidFill>
+                <a:schemeClr val="bg1"/>
+              </a:solidFill>
+            </a:endParaRPr>
+          </a:p>
+          <a:p>
+            <a:pPr marL="709200" lvl="1" indent="-180000">
+              <a:buFont typeface="Arial" panose="020B0604020202020204" pitchFamily="34" charset="0"/>
+              <a:buChar char="•"/>
+            </a:pPr>
+            <a:r>
+              <a:rPr lang="da-DK" dirty="0" err="1">
+                <a:solidFill>
+                  <a:schemeClr val="bg1"/>
+                </a:solidFill>
+              </a:rPr>
+              <a:t>Generics</a:t>
+            </a:r>
+            <a:endParaRPr lang="da-DK" dirty="0">
+              <a:solidFill>
+                <a:schemeClr val="bg1"/>
+              </a:solidFill>
+            </a:endParaRPr>
+          </a:p>
+          <a:p>
+            <a:pPr marL="709200" lvl="1" indent="-180000">
+              <a:buFont typeface="Arial" panose="020B0604020202020204" pitchFamily="34" charset="0"/>
+              <a:buChar char="•"/>
+            </a:pPr>
+            <a:r>
+              <a:rPr lang="da-DK" dirty="0" err="1">
+                <a:solidFill>
+                  <a:schemeClr val="bg1"/>
+                </a:solidFill>
+              </a:rPr>
+              <a:t>Enum</a:t>
+            </a:r>
+            <a:r>
+              <a:rPr lang="da-DK" dirty="0">
+                <a:solidFill>
+                  <a:schemeClr val="bg1"/>
+                </a:solidFill>
+              </a:rPr>
+              <a:t> &amp; </a:t>
+            </a:r>
+            <a:r>
+              <a:rPr lang="da-DK" dirty="0" err="1">
+                <a:solidFill>
+                  <a:schemeClr val="bg1"/>
+                </a:solidFill>
+              </a:rPr>
+              <a:t>Namespaces</a:t>
+            </a:r>
+            <a:endParaRPr lang="da-DK" dirty="0">
+              <a:solidFill>
+                <a:schemeClr val="bg1"/>
+              </a:solidFill>
+            </a:endParaRPr>
+          </a:p>
+        </p:txBody>
+      </p:sp>
+    </p:spTree>
+    <p:extLst>
+      <p:ext uri="{BB962C8B-B14F-4D97-AF65-F5344CB8AC3E}">
+        <p14:creationId xmlns:p14="http://schemas.microsoft.com/office/powerpoint/2010/main" val="3757369781"/>
+      </p:ext>
+    </p:extLst>
+  </p:cSld>
+  <p:clrMapOvr>
+    <a:masterClrMapping/>
+  </p:clrMapOvr>
+  <p:transition spd="slow">
+    <p:push dir="u"/>
+  </p:transition>
+  <p:timing>
+    <p:tnLst>
+      <p:par>
+        <p:cTn id="1" dur="indefinite" restart="never" nodeType="tmRoot">
+          <p:childTnLst>
+            <p:seq concurrent="1" nextAc="seek">
+              <p:cTn id="2" dur="indefinite" nodeType="mainSeq">
+                <p:childTnLst>
+                  <p:par>
+                    <p:cTn id="3" fill="hold">
+                      <p:stCondLst>
+                        <p:cond delay="indefinite"/>
+                      </p:stCondLst>
+                      <p:childTnLst>
+                        <p:par>
+                          <p:cTn id="4" fill="hold">
+                            <p:stCondLst>
+                              <p:cond delay="0"/>
+                            </p:stCondLst>
+                            <p:childTnLst>
+                              <p:par>
+                                <p:cTn id="5" presetID="10" presetClass="entr" presetSubtype="0" fill="hold" nodeType="clickEffect">
+                                  <p:stCondLst>
+                                    <p:cond delay="0"/>
+                                  </p:stCondLst>
+                                  <p:childTnLst>
+                                    <p:set>
+                                      <p:cBhvr>
+                                        <p:cTn id="6" dur="1" fill="hold">
+                                          <p:stCondLst>
+                                            <p:cond delay="0"/>
+                                          </p:stCondLst>
+                                        </p:cTn>
+                                        <p:tgtEl>
+                                          <p:spTgt spid="8">
+                                            <p:txEl>
+                                              <p:pRg st="0" end="0"/>
+                                            </p:txEl>
+                                          </p:spTgt>
+                                        </p:tgtEl>
+                                        <p:attrNameLst>
+                                          <p:attrName>style.visibility</p:attrName>
+                                        </p:attrNameLst>
+                                      </p:cBhvr>
+                                      <p:to>
+                                        <p:strVal val="visible"/>
+                                      </p:to>
+                                    </p:set>
+                                    <p:animEffect transition="in" filter="fade">
+                                      <p:cBhvr>
+                                        <p:cTn id="7" dur="500"/>
+                                        <p:tgtEl>
+                                          <p:spTgt spid="8">
+                                            <p:txEl>
+                                              <p:pRg st="0" end="0"/>
+                                            </p:txEl>
+                                          </p:spTgt>
+                                        </p:tgtEl>
+                                      </p:cBhvr>
+                                    </p:animEffect>
+                                  </p:childTnLst>
+                                </p:cTn>
+                              </p:par>
+                            </p:childTnLst>
+                          </p:cTn>
+                        </p:par>
+                        <p:par>
+                          <p:cTn id="8" fill="hold">
+                            <p:stCondLst>
+                              <p:cond delay="500"/>
+                            </p:stCondLst>
+                            <p:childTnLst>
+                              <p:par>
+                                <p:cTn id="9" presetID="10" presetClass="entr" presetSubtype="0" fill="hold" nodeType="afterEffect">
+                                  <p:stCondLst>
+                                    <p:cond delay="0"/>
+                                  </p:stCondLst>
+                                  <p:childTnLst>
+                                    <p:set>
+                                      <p:cBhvr>
+                                        <p:cTn id="10" dur="1" fill="hold">
+                                          <p:stCondLst>
+                                            <p:cond delay="0"/>
+                                          </p:stCondLst>
+                                        </p:cTn>
+                                        <p:tgtEl>
+                                          <p:spTgt spid="8">
+                                            <p:txEl>
+                                              <p:pRg st="1" end="1"/>
+                                            </p:txEl>
+                                          </p:spTgt>
+                                        </p:tgtEl>
+                                        <p:attrNameLst>
+                                          <p:attrName>style.visibility</p:attrName>
+                                        </p:attrNameLst>
+                                      </p:cBhvr>
+                                      <p:to>
+                                        <p:strVal val="visible"/>
+                                      </p:to>
+                                    </p:set>
+                                    <p:animEffect transition="in" filter="fade">
+                                      <p:cBhvr>
+                                        <p:cTn id="11" dur="500"/>
+                                        <p:tgtEl>
+                                          <p:spTgt spid="8">
+                                            <p:txEl>
+                                              <p:pRg st="1" end="1"/>
+                                            </p:txEl>
+                                          </p:spTgt>
+                                        </p:tgtEl>
+                                      </p:cBhvr>
+                                    </p:animEffect>
+                                  </p:childTnLst>
+                                </p:cTn>
+                              </p:par>
+                            </p:childTnLst>
+                          </p:cTn>
+                        </p:par>
+                        <p:par>
+                          <p:cTn id="12" fill="hold">
+                            <p:stCondLst>
+                              <p:cond delay="1000"/>
+                            </p:stCondLst>
+                            <p:childTnLst>
+                              <p:par>
+                                <p:cTn id="13" presetID="10" presetClass="entr" presetSubtype="0" fill="hold" nodeType="afterEffect">
+                                  <p:stCondLst>
+                                    <p:cond delay="0"/>
+                                  </p:stCondLst>
+                                  <p:childTnLst>
+                                    <p:set>
+                                      <p:cBhvr>
+                                        <p:cTn id="14" dur="1" fill="hold">
+                                          <p:stCondLst>
+                                            <p:cond delay="0"/>
+                                          </p:stCondLst>
+                                        </p:cTn>
+                                        <p:tgtEl>
+                                          <p:spTgt spid="8">
+                                            <p:txEl>
+                                              <p:pRg st="2" end="2"/>
+                                            </p:txEl>
+                                          </p:spTgt>
+                                        </p:tgtEl>
+                                        <p:attrNameLst>
+                                          <p:attrName>style.visibility</p:attrName>
+                                        </p:attrNameLst>
+                                      </p:cBhvr>
+                                      <p:to>
+                                        <p:strVal val="visible"/>
+                                      </p:to>
+                                    </p:set>
+                                    <p:animEffect transition="in" filter="fade">
+                                      <p:cBhvr>
+                                        <p:cTn id="15" dur="500"/>
+                                        <p:tgtEl>
+                                          <p:spTgt spid="8">
+                                            <p:txEl>
+                                              <p:pRg st="2" end="2"/>
+                                            </p:txEl>
+                                          </p:spTgt>
+                                        </p:tgtEl>
+                                      </p:cBhvr>
+                                    </p:animEffect>
+                                  </p:childTnLst>
+                                </p:cTn>
+                              </p:par>
+                            </p:childTnLst>
+                          </p:cTn>
+                        </p:par>
+                      </p:childTnLst>
+                    </p:cTn>
+                  </p:par>
+                  <p:par>
+                    <p:cTn id="16" fill="hold">
+                      <p:stCondLst>
+                        <p:cond delay="indefinite"/>
+                      </p:stCondLst>
+                      <p:childTnLst>
+                        <p:par>
+                          <p:cTn id="17" fill="hold">
+                            <p:stCondLst>
+                              <p:cond delay="0"/>
+                            </p:stCondLst>
+                            <p:childTnLst>
+                              <p:par>
+                                <p:cTn id="18" presetID="10" presetClass="entr" presetSubtype="0" fill="hold" nodeType="clickEffect">
+                                  <p:stCondLst>
+                                    <p:cond delay="0"/>
+                                  </p:stCondLst>
+                                  <p:childTnLst>
+                                    <p:set>
+                                      <p:cBhvr>
+                                        <p:cTn id="19" dur="1" fill="hold">
+                                          <p:stCondLst>
+                                            <p:cond delay="0"/>
+                                          </p:stCondLst>
+                                        </p:cTn>
+                                        <p:tgtEl>
+                                          <p:spTgt spid="8">
+                                            <p:txEl>
+                                              <p:pRg st="3" end="3"/>
+                                            </p:txEl>
+                                          </p:spTgt>
+                                        </p:tgtEl>
+                                        <p:attrNameLst>
+                                          <p:attrName>style.visibility</p:attrName>
+                                        </p:attrNameLst>
+                                      </p:cBhvr>
+                                      <p:to>
+                                        <p:strVal val="visible"/>
+                                      </p:to>
+                                    </p:set>
+                                    <p:animEffect transition="in" filter="fade">
+                                      <p:cBhvr>
+                                        <p:cTn id="20" dur="500"/>
+                                        <p:tgtEl>
+                                          <p:spTgt spid="8">
+                                            <p:txEl>
+                                              <p:pRg st="3" end="3"/>
+                                            </p:txEl>
+                                          </p:spTgt>
+                                        </p:tgtEl>
+                                      </p:cBhvr>
+                                    </p:animEffect>
+                                  </p:childTnLst>
+                                </p:cTn>
+                              </p:par>
+                            </p:childTnLst>
+                          </p:cTn>
+                        </p:par>
+                        <p:par>
+                          <p:cTn id="21" fill="hold">
+                            <p:stCondLst>
+                              <p:cond delay="500"/>
+                            </p:stCondLst>
+                            <p:childTnLst>
+                              <p:par>
+                                <p:cTn id="22" presetID="10" presetClass="entr" presetSubtype="0" fill="hold" nodeType="afterEffect">
+                                  <p:stCondLst>
+                                    <p:cond delay="0"/>
+                                  </p:stCondLst>
+                                  <p:childTnLst>
+                                    <p:set>
+                                      <p:cBhvr>
+                                        <p:cTn id="23" dur="1" fill="hold">
+                                          <p:stCondLst>
+                                            <p:cond delay="0"/>
+                                          </p:stCondLst>
+                                        </p:cTn>
+                                        <p:tgtEl>
+                                          <p:spTgt spid="8">
+                                            <p:txEl>
+                                              <p:pRg st="4" end="4"/>
+                                            </p:txEl>
+                                          </p:spTgt>
+                                        </p:tgtEl>
+                                        <p:attrNameLst>
+                                          <p:attrName>style.visibility</p:attrName>
+                                        </p:attrNameLst>
+                                      </p:cBhvr>
+                                      <p:to>
+                                        <p:strVal val="visible"/>
+                                      </p:to>
+                                    </p:set>
+                                    <p:animEffect transition="in" filter="fade">
+                                      <p:cBhvr>
+                                        <p:cTn id="24" dur="500"/>
+                                        <p:tgtEl>
+                                          <p:spTgt spid="8">
+                                            <p:txEl>
+                                              <p:pRg st="4" end="4"/>
+                                            </p:txEl>
+                                          </p:spTgt>
+                                        </p:tgtEl>
+                                      </p:cBhvr>
+                                    </p:animEffect>
+                                  </p:childTnLst>
+                                </p:cTn>
+                              </p:par>
+                            </p:childTnLst>
+                          </p:cTn>
+                        </p:par>
+                      </p:childTnLst>
+                    </p:cTn>
+                  </p:par>
+                  <p:par>
+                    <p:cTn id="25" fill="hold">
+                      <p:stCondLst>
+                        <p:cond delay="indefinite"/>
+                      </p:stCondLst>
+                      <p:childTnLst>
+                        <p:par>
+                          <p:cTn id="26" fill="hold">
+                            <p:stCondLst>
+                              <p:cond delay="0"/>
+                            </p:stCondLst>
+                            <p:childTnLst>
+                              <p:par>
+                                <p:cTn id="27" presetID="10" presetClass="entr" presetSubtype="0" fill="hold" nodeType="clickEffect">
+                                  <p:stCondLst>
+                                    <p:cond delay="0"/>
+                                  </p:stCondLst>
+                                  <p:childTnLst>
+                                    <p:set>
+                                      <p:cBhvr>
+                                        <p:cTn id="28" dur="1" fill="hold">
+                                          <p:stCondLst>
+                                            <p:cond delay="0"/>
+                                          </p:stCondLst>
+                                        </p:cTn>
+                                        <p:tgtEl>
+                                          <p:spTgt spid="8">
+                                            <p:txEl>
+                                              <p:pRg st="5" end="5"/>
+                                            </p:txEl>
+                                          </p:spTgt>
+                                        </p:tgtEl>
+                                        <p:attrNameLst>
+                                          <p:attrName>style.visibility</p:attrName>
+                                        </p:attrNameLst>
+                                      </p:cBhvr>
+                                      <p:to>
+                                        <p:strVal val="visible"/>
+                                      </p:to>
+                                    </p:set>
+                                    <p:animEffect transition="in" filter="fade">
+                                      <p:cBhvr>
+                                        <p:cTn id="29" dur="500"/>
+                                        <p:tgtEl>
+                                          <p:spTgt spid="8">
+                                            <p:txEl>
+                                              <p:pRg st="5" end="5"/>
+                                            </p:txEl>
+                                          </p:spTgt>
+                                        </p:tgtEl>
+                                      </p:cBhvr>
+                                    </p:animEffect>
+                                  </p:childTnLst>
+                                </p:cTn>
+                              </p:par>
+                            </p:childTnLst>
+                          </p:cTn>
+                        </p:par>
+                        <p:par>
+                          <p:cTn id="30" fill="hold">
+                            <p:stCondLst>
+                              <p:cond delay="500"/>
+                            </p:stCondLst>
+                            <p:childTnLst>
+                              <p:par>
+                                <p:cTn id="31" presetID="10" presetClass="entr" presetSubtype="0" fill="hold" nodeType="afterEffect">
+                                  <p:stCondLst>
+                                    <p:cond delay="0"/>
+                                  </p:stCondLst>
+                                  <p:childTnLst>
+                                    <p:set>
+                                      <p:cBhvr>
+                                        <p:cTn id="32" dur="1" fill="hold">
+                                          <p:stCondLst>
+                                            <p:cond delay="0"/>
+                                          </p:stCondLst>
+                                        </p:cTn>
+                                        <p:tgtEl>
+                                          <p:spTgt spid="8">
+                                            <p:txEl>
+                                              <p:pRg st="6" end="6"/>
+                                            </p:txEl>
+                                          </p:spTgt>
+                                        </p:tgtEl>
+                                        <p:attrNameLst>
+                                          <p:attrName>style.visibility</p:attrName>
+                                        </p:attrNameLst>
+                                      </p:cBhvr>
+                                      <p:to>
+                                        <p:strVal val="visible"/>
+                                      </p:to>
+                                    </p:set>
+                                    <p:animEffect transition="in" filter="fade">
+                                      <p:cBhvr>
+                                        <p:cTn id="33" dur="500"/>
+                                        <p:tgtEl>
+                                          <p:spTgt spid="8">
+                                            <p:txEl>
+                                              <p:pRg st="6" end="6"/>
+                                            </p:txEl>
+                                          </p:spTgt>
+                                        </p:tgtEl>
+                                      </p:cBhvr>
+                                    </p:animEffect>
+                                  </p:childTnLst>
+                                </p:cTn>
+                              </p:par>
+                            </p:childTnLst>
+                          </p:cTn>
+                        </p:par>
+                      </p:childTnLst>
+                    </p:cTn>
+                  </p:par>
+                  <p:par>
+                    <p:cTn id="34" fill="hold">
+                      <p:stCondLst>
+                        <p:cond delay="indefinite"/>
+                      </p:stCondLst>
+                      <p:childTnLst>
+                        <p:par>
+                          <p:cTn id="35" fill="hold">
+                            <p:stCondLst>
+                              <p:cond delay="0"/>
+                            </p:stCondLst>
+                            <p:childTnLst>
+                              <p:par>
+                                <p:cTn id="36" presetID="10" presetClass="entr" presetSubtype="0" fill="hold" nodeType="clickEffect">
+                                  <p:stCondLst>
+                                    <p:cond delay="0"/>
+                                  </p:stCondLst>
+                                  <p:childTnLst>
+                                    <p:set>
+                                      <p:cBhvr>
+                                        <p:cTn id="37" dur="1" fill="hold">
+                                          <p:stCondLst>
+                                            <p:cond delay="0"/>
+                                          </p:stCondLst>
+                                        </p:cTn>
+                                        <p:tgtEl>
+                                          <p:spTgt spid="8">
+                                            <p:txEl>
+                                              <p:pRg st="7" end="7"/>
+                                            </p:txEl>
+                                          </p:spTgt>
+                                        </p:tgtEl>
+                                        <p:attrNameLst>
+                                          <p:attrName>style.visibility</p:attrName>
+                                        </p:attrNameLst>
+                                      </p:cBhvr>
+                                      <p:to>
+                                        <p:strVal val="visible"/>
+                                      </p:to>
+                                    </p:set>
+                                    <p:animEffect transition="in" filter="fade">
+                                      <p:cBhvr>
+                                        <p:cTn id="38" dur="500"/>
+                                        <p:tgtEl>
+                                          <p:spTgt spid="8">
+                                            <p:txEl>
+                                              <p:pRg st="7" end="7"/>
+                                            </p:txEl>
+                                          </p:spTgt>
+                                        </p:tgtEl>
+                                      </p:cBhvr>
+                                    </p:animEffect>
+                                  </p:childTnLst>
+                                </p:cTn>
+                              </p:par>
+                            </p:childTnLst>
+                          </p:cTn>
+                        </p:par>
+                      </p:childTnLst>
+                    </p:cTn>
+                  </p:par>
+                  <p:par>
+                    <p:cTn id="39" fill="hold">
+                      <p:stCondLst>
+                        <p:cond delay="indefinite"/>
+                      </p:stCondLst>
+                      <p:childTnLst>
+                        <p:par>
+                          <p:cTn id="40" fill="hold">
+                            <p:stCondLst>
+                              <p:cond delay="0"/>
+                            </p:stCondLst>
+                            <p:childTnLst>
+                              <p:par>
+                                <p:cTn id="41" presetID="10" presetClass="entr" presetSubtype="0" fill="hold" nodeType="clickEffect">
+                                  <p:stCondLst>
+                                    <p:cond delay="0"/>
+                                  </p:stCondLst>
+                                  <p:childTnLst>
+                                    <p:set>
+                                      <p:cBhvr>
+                                        <p:cTn id="42" dur="1" fill="hold">
+                                          <p:stCondLst>
+                                            <p:cond delay="0"/>
+                                          </p:stCondLst>
+                                        </p:cTn>
+                                        <p:tgtEl>
+                                          <p:spTgt spid="8">
+                                            <p:txEl>
+                                              <p:pRg st="8" end="8"/>
+                                            </p:txEl>
+                                          </p:spTgt>
+                                        </p:tgtEl>
+                                        <p:attrNameLst>
+                                          <p:attrName>style.visibility</p:attrName>
+                                        </p:attrNameLst>
+                                      </p:cBhvr>
+                                      <p:to>
+                                        <p:strVal val="visible"/>
+                                      </p:to>
+                                    </p:set>
+                                    <p:animEffect transition="in" filter="fade">
+                                      <p:cBhvr>
+                                        <p:cTn id="43" dur="500"/>
+                                        <p:tgtEl>
+                                          <p:spTgt spid="8">
+                                            <p:txEl>
+                                              <p:pRg st="8" end="8"/>
+                                            </p:txEl>
+                                          </p:spTgt>
+                                        </p:tgtEl>
+                                      </p:cBhvr>
+                                    </p:animEffect>
+                                  </p:childTnLst>
+                                </p:cTn>
+                              </p:par>
+                            </p:childTnLst>
+                          </p:cTn>
+                        </p:par>
+                      </p:childTnLst>
+                    </p:cTn>
+                  </p:par>
+                  <p:par>
+                    <p:cTn id="44" fill="hold">
+                      <p:stCondLst>
+                        <p:cond delay="indefinite"/>
+                      </p:stCondLst>
+                      <p:childTnLst>
+                        <p:par>
+                          <p:cTn id="45" fill="hold">
+                            <p:stCondLst>
+                              <p:cond delay="0"/>
+                            </p:stCondLst>
+                            <p:childTnLst>
+                              <p:par>
+                                <p:cTn id="46" presetID="10" presetClass="entr" presetSubtype="0" fill="hold" nodeType="clickEffect">
+                                  <p:stCondLst>
+                                    <p:cond delay="0"/>
+                                  </p:stCondLst>
+                                  <p:childTnLst>
+                                    <p:set>
+                                      <p:cBhvr>
+                                        <p:cTn id="47" dur="1" fill="hold">
+                                          <p:stCondLst>
+                                            <p:cond delay="0"/>
+                                          </p:stCondLst>
+                                        </p:cTn>
+                                        <p:tgtEl>
+                                          <p:spTgt spid="8">
+                                            <p:txEl>
+                                              <p:pRg st="9" end="9"/>
+                                            </p:txEl>
+                                          </p:spTgt>
+                                        </p:tgtEl>
+                                        <p:attrNameLst>
+                                          <p:attrName>style.visibility</p:attrName>
+                                        </p:attrNameLst>
+                                      </p:cBhvr>
+                                      <p:to>
+                                        <p:strVal val="visible"/>
+                                      </p:to>
+                                    </p:set>
+                                    <p:animEffect transition="in" filter="fade">
+                                      <p:cBhvr>
+                                        <p:cTn id="48" dur="500"/>
+                                        <p:tgtEl>
+                                          <p:spTgt spid="8">
+                                            <p:txEl>
+                                              <p:pRg st="9" end="9"/>
+                                            </p:txEl>
+                                          </p:spTgt>
+                                        </p:tgtEl>
+                                      </p:cBhvr>
+                                    </p:animEffect>
+                                  </p:childTnLst>
+                                </p:cTn>
+                              </p:par>
+                            </p:childTnLst>
+                          </p:cTn>
+                        </p:par>
+                      </p:childTnLst>
+                    </p:cTn>
+                  </p:par>
+                  <p:par>
+                    <p:cTn id="49" fill="hold">
+                      <p:stCondLst>
+                        <p:cond delay="indefinite"/>
+                      </p:stCondLst>
+                      <p:childTnLst>
+                        <p:par>
+                          <p:cTn id="50" fill="hold">
+                            <p:stCondLst>
+                              <p:cond delay="0"/>
+                            </p:stCondLst>
+                            <p:childTnLst>
+                              <p:par>
+                                <p:cTn id="51" presetID="10" presetClass="entr" presetSubtype="0" fill="hold" nodeType="clickEffect">
+                                  <p:stCondLst>
+                                    <p:cond delay="0"/>
+                                  </p:stCondLst>
+                                  <p:childTnLst>
+                                    <p:set>
+                                      <p:cBhvr>
+                                        <p:cTn id="52" dur="1" fill="hold">
+                                          <p:stCondLst>
+                                            <p:cond delay="0"/>
+                                          </p:stCondLst>
+                                        </p:cTn>
+                                        <p:tgtEl>
+                                          <p:spTgt spid="8">
+                                            <p:txEl>
+                                              <p:pRg st="10" end="10"/>
+                                            </p:txEl>
+                                          </p:spTgt>
+                                        </p:tgtEl>
+                                        <p:attrNameLst>
+                                          <p:attrName>style.visibility</p:attrName>
+                                        </p:attrNameLst>
+                                      </p:cBhvr>
+                                      <p:to>
+                                        <p:strVal val="visible"/>
+                                      </p:to>
+                                    </p:set>
+                                    <p:animEffect transition="in" filter="fade">
+                                      <p:cBhvr>
+                                        <p:cTn id="53" dur="500"/>
+                                        <p:tgtEl>
+                                          <p:spTgt spid="8">
+                                            <p:txEl>
+                                              <p:pRg st="10" end="10"/>
+                                            </p:txEl>
+                                          </p:spTgt>
+                                        </p:tgtEl>
+                                      </p:cBhvr>
+                                    </p:animEffect>
+                                  </p:childTnLst>
+                                </p:cTn>
+                              </p:par>
+                            </p:childTnLst>
+                          </p:cTn>
+                        </p:par>
+                      </p:childTnLst>
+                    </p:cTn>
+                  </p:par>
+                  <p:par>
+                    <p:cTn id="54" fill="hold">
+                      <p:stCondLst>
+                        <p:cond delay="indefinite"/>
+                      </p:stCondLst>
+                      <p:childTnLst>
+                        <p:par>
+                          <p:cTn id="55" fill="hold">
+                            <p:stCondLst>
+                              <p:cond delay="0"/>
+                            </p:stCondLst>
+                            <p:childTnLst>
+                              <p:par>
+                                <p:cTn id="56" presetID="10" presetClass="entr" presetSubtype="0" fill="hold" nodeType="clickEffect">
+                                  <p:stCondLst>
+                                    <p:cond delay="0"/>
+                                  </p:stCondLst>
+                                  <p:childTnLst>
+                                    <p:set>
+                                      <p:cBhvr>
+                                        <p:cTn id="57" dur="1" fill="hold">
+                                          <p:stCondLst>
+                                            <p:cond delay="0"/>
+                                          </p:stCondLst>
+                                        </p:cTn>
+                                        <p:tgtEl>
+                                          <p:spTgt spid="8">
+                                            <p:txEl>
+                                              <p:pRg st="11" end="11"/>
+                                            </p:txEl>
+                                          </p:spTgt>
+                                        </p:tgtEl>
+                                        <p:attrNameLst>
+                                          <p:attrName>style.visibility</p:attrName>
+                                        </p:attrNameLst>
+                                      </p:cBhvr>
+                                      <p:to>
+                                        <p:strVal val="visible"/>
+                                      </p:to>
+                                    </p:set>
+                                    <p:animEffect transition="in" filter="fade">
+                                      <p:cBhvr>
+                                        <p:cTn id="58" dur="500"/>
+                                        <p:tgtEl>
+                                          <p:spTgt spid="8">
+                                            <p:txEl>
+                                              <p:pRg st="11" end="11"/>
+                                            </p:txEl>
+                                          </p:spTgt>
+                                        </p:tgtEl>
+                                      </p:cBhvr>
+                                    </p:animEffect>
+                                  </p:childTnLst>
+                                </p:cTn>
+                              </p:par>
+                            </p:childTnLst>
+                          </p:cTn>
+                        </p:par>
+                      </p:childTnLst>
+                    </p:cTn>
+                  </p:par>
+                </p:childTnLst>
+              </p:cTn>
+              <p:prevCondLst>
+                <p:cond evt="onPrev" delay="0">
+                  <p:tgtEl>
+                    <p:sldTgt/>
+                  </p:tgtEl>
+                </p:cond>
+              </p:prevCondLst>
+              <p:nextCondLst>
+                <p:cond evt="onNext" delay="0">
+                  <p:tgtEl>
+                    <p:sldTgt/>
+                  </p:tgtEl>
+                </p:cond>
+              </p:nextCondLst>
+            </p:seq>
+          </p:childTnLst>
+        </p:cTn>
+      </p:par>
+    </p:tnLst>
+  </p:timing>
+</p:sld>
+</file>
+
+<file path=ppt/slides/slide14.xml><?xml version="1.0" encoding="utf-8"?>
+<p:sld xmlns:a="http://schemas.openxmlformats.org/drawingml/2006/main" xmlns:r="http://schemas.openxmlformats.org/officeDocument/2006/relationships" xmlns:p="http://schemas.openxmlformats.org/presentationml/2006/main">
+  <p:cSld>
+    <p:spTree>
+      <p:nvGrpSpPr>
+        <p:cNvPr id="1" name=""/>
+        <p:cNvGrpSpPr/>
+        <p:nvPr/>
+      </p:nvGrpSpPr>
+      <p:grpSpPr>
+        <a:xfrm>
+          <a:off x="0" y="0"/>
+          <a:ext cx="0" cy="0"/>
+          <a:chOff x="0" y="0"/>
+          <a:chExt cx="0" cy="0"/>
+        </a:xfrm>
+      </p:grpSpPr>
+      <p:sp>
+        <p:nvSpPr>
+          <p:cNvPr id="2" name="Title 1">
+            <a:extLst>
+              <a:ext uri="{FF2B5EF4-FFF2-40B4-BE49-F238E27FC236}">
+                <a16:creationId xmlns:a16="http://schemas.microsoft.com/office/drawing/2014/main" id="{75031FE9-9059-4FE8-B4AC-9771F23A1B89}"/>
+              </a:ext>
+            </a:extLst>
+          </p:cNvPr>
+          <p:cNvSpPr>
+            <a:spLocks noGrp="1"/>
+          </p:cNvSpPr>
+          <p:nvPr>
+            <p:ph type="title"/>
+          </p:nvPr>
+        </p:nvSpPr>
+        <p:spPr>
+          <a:xfrm>
+            <a:off x="3950898" y="136525"/>
+            <a:ext cx="8074325" cy="450100"/>
+          </a:xfrm>
+        </p:spPr>
+        <p:txBody>
+          <a:bodyPr rtlCol="0" anchor="t">
+            <a:normAutofit fontScale="90000"/>
+          </a:bodyPr>
+          <a:lstStyle/>
+          <a:p>
+            <a:pPr algn="ctr" rtl="0"/>
+            <a:r>
+              <a:rPr lang="da-DK" b="1" dirty="0"/>
+              <a:t>Hvad synes jeg selv?</a:t>
+            </a:r>
+          </a:p>
+        </p:txBody>
+      </p:sp>
+      <p:sp>
+        <p:nvSpPr>
+          <p:cNvPr id="30" name="TextBox 29">
+            <a:extLst>
+              <a:ext uri="{FF2B5EF4-FFF2-40B4-BE49-F238E27FC236}">
+                <a16:creationId xmlns:a16="http://schemas.microsoft.com/office/drawing/2014/main" id="{2E70BE59-E9C1-D4D5-59E5-E6A9E1E003D7}"/>
+              </a:ext>
+            </a:extLst>
+          </p:cNvPr>
+          <p:cNvSpPr txBox="1"/>
+          <p:nvPr/>
+        </p:nvSpPr>
+        <p:spPr>
+          <a:xfrm>
+            <a:off x="2741194" y="682977"/>
+            <a:ext cx="6594717" cy="2677656"/>
+          </a:xfrm>
+          <a:prstGeom prst="rect">
+            <a:avLst/>
+          </a:prstGeom>
+          <a:noFill/>
+        </p:spPr>
+        <p:txBody>
+          <a:bodyPr wrap="square" rtlCol="0">
+            <a:spAutoFit/>
+          </a:bodyPr>
+          <a:lstStyle/>
+          <a:p>
+            <a:pPr marL="709200" lvl="1" indent="-180000">
+              <a:buFont typeface="Arial" panose="020B0604020202020204" pitchFamily="34" charset="0"/>
+              <a:buChar char="•"/>
+            </a:pPr>
+            <a:r>
+              <a:rPr lang="da-DK" sz="2400" b="1" dirty="0"/>
+              <a:t>TS &gt; JS</a:t>
+            </a:r>
+          </a:p>
+          <a:p>
+            <a:pPr marL="709200" lvl="1" indent="-180000">
+              <a:buFont typeface="Arial" panose="020B0604020202020204" pitchFamily="34" charset="0"/>
+              <a:buChar char="•"/>
+            </a:pPr>
+            <a:r>
+              <a:rPr lang="da-DK" sz="2400" b="1" dirty="0"/>
+              <a:t>React</a:t>
+            </a:r>
+          </a:p>
+          <a:p>
+            <a:pPr marL="709200" lvl="1" indent="-180000">
+              <a:buFont typeface="Arial" panose="020B0604020202020204" pitchFamily="34" charset="0"/>
+              <a:buChar char="•"/>
+            </a:pPr>
+            <a:r>
+              <a:rPr lang="da-DK" sz="2400" b="1" dirty="0"/>
+              <a:t>Og så alligevel…</a:t>
+            </a:r>
+          </a:p>
+          <a:p>
+            <a:pPr marL="1166400" lvl="2" indent="-180000">
+              <a:buFont typeface="Arial" panose="020B0604020202020204" pitchFamily="34" charset="0"/>
+              <a:buChar char="•"/>
+            </a:pPr>
+            <a:r>
+              <a:rPr lang="da-DK" sz="2400" b="1" dirty="0"/>
+              <a:t>Go to definition</a:t>
+            </a:r>
+          </a:p>
+          <a:p>
+            <a:pPr marL="1166400" lvl="2" indent="-180000">
+              <a:buFont typeface="Arial" panose="020B0604020202020204" pitchFamily="34" charset="0"/>
+              <a:buChar char="•"/>
+            </a:pPr>
+            <a:r>
+              <a:rPr lang="da-DK" sz="2400" b="1" dirty="0" err="1"/>
+              <a:t>tsconfig</a:t>
+            </a:r>
+            <a:r>
+              <a:rPr lang="da-DK" sz="2400" b="1" dirty="0"/>
+              <a:t> er forvirrende</a:t>
+            </a:r>
+          </a:p>
+          <a:p>
+            <a:pPr marL="709200" lvl="1" indent="-180000">
+              <a:buFont typeface="Arial" panose="020B0604020202020204" pitchFamily="34" charset="0"/>
+              <a:buChar char="•"/>
+            </a:pPr>
+            <a:r>
+              <a:rPr lang="da-DK" sz="2400" b="1" dirty="0"/>
+              <a:t>Mister meget hjælp</a:t>
+            </a:r>
+          </a:p>
+          <a:p>
+            <a:pPr marL="709200" lvl="1" indent="-180000">
+              <a:buFont typeface="Arial" panose="020B0604020202020204" pitchFamily="34" charset="0"/>
+              <a:buChar char="•"/>
+            </a:pPr>
+            <a:endParaRPr lang="da-DK" sz="2400" b="1" dirty="0"/>
+          </a:p>
+        </p:txBody>
+      </p:sp>
+      <p:pic>
+        <p:nvPicPr>
+          <p:cNvPr id="5" name="Picture 4">
+            <a:extLst>
+              <a:ext uri="{FF2B5EF4-FFF2-40B4-BE49-F238E27FC236}">
+                <a16:creationId xmlns:a16="http://schemas.microsoft.com/office/drawing/2014/main" id="{1FF8D840-789E-278C-C152-C77B0749B9E8}"/>
+              </a:ext>
+            </a:extLst>
+          </p:cNvPr>
+          <p:cNvPicPr>
+            <a:picLocks noChangeAspect="1"/>
+          </p:cNvPicPr>
+          <p:nvPr/>
+        </p:nvPicPr>
+        <p:blipFill>
+          <a:blip r:embed="rId3"/>
+          <a:stretch>
+            <a:fillRect/>
+          </a:stretch>
+        </p:blipFill>
+        <p:spPr>
+          <a:xfrm>
+            <a:off x="1109364" y="747712"/>
+            <a:ext cx="9858375" cy="5362575"/>
+          </a:xfrm>
+          <a:prstGeom prst="rect">
+            <a:avLst/>
+          </a:prstGeom>
+        </p:spPr>
+      </p:pic>
+    </p:spTree>
+    <p:extLst>
+      <p:ext uri="{BB962C8B-B14F-4D97-AF65-F5344CB8AC3E}">
+        <p14:creationId xmlns:p14="http://schemas.microsoft.com/office/powerpoint/2010/main" val="245689483"/>
+      </p:ext>
+    </p:extLst>
+  </p:cSld>
+  <p:clrMapOvr>
+    <a:masterClrMapping/>
+  </p:clrMapOvr>
+  <p:transition spd="slow">
+    <p:push dir="u"/>
+  </p:transition>
+  <p:timing>
+    <p:tnLst>
+      <p:par>
+        <p:cTn id="1" dur="indefinite" restart="never" nodeType="tmRoot">
+          <p:childTnLst>
+            <p:seq concurrent="1" nextAc="seek">
+              <p:cTn id="2" dur="indefinite" nodeType="mainSeq">
+                <p:childTnLst>
+                  <p:par>
+                    <p:cTn id="3" fill="hold">
+                      <p:stCondLst>
+                        <p:cond delay="indefinite"/>
+                        <p:cond evt="onBegin" delay="0">
+                          <p:tn val="2"/>
+                        </p:cond>
+                      </p:stCondLst>
+                      <p:childTnLst>
+                        <p:par>
+                          <p:cTn id="4" fill="hold">
+                            <p:stCondLst>
+                              <p:cond delay="0"/>
+                            </p:stCondLst>
+                            <p:childTnLst>
+                              <p:par>
+                                <p:cTn id="5" presetID="10" presetClass="entr" presetSubtype="0" fill="hold" nodeType="afterEffect">
+                                  <p:stCondLst>
+                                    <p:cond delay="0"/>
+                                  </p:stCondLst>
+                                  <p:childTnLst>
+                                    <p:set>
+                                      <p:cBhvr>
+                                        <p:cTn id="6" dur="1" fill="hold">
+                                          <p:stCondLst>
+                                            <p:cond delay="0"/>
+                                          </p:stCondLst>
+                                        </p:cTn>
+                                        <p:tgtEl>
+                                          <p:spTgt spid="30">
+                                            <p:txEl>
+                                              <p:pRg st="0" end="0"/>
+                                            </p:txEl>
+                                          </p:spTgt>
+                                        </p:tgtEl>
+                                        <p:attrNameLst>
+                                          <p:attrName>style.visibility</p:attrName>
+                                        </p:attrNameLst>
+                                      </p:cBhvr>
+                                      <p:to>
+                                        <p:strVal val="visible"/>
+                                      </p:to>
+                                    </p:set>
+                                    <p:animEffect transition="in" filter="fade">
+                                      <p:cBhvr>
+                                        <p:cTn id="7" dur="250"/>
+                                        <p:tgtEl>
+                                          <p:spTgt spid="30">
+                                            <p:txEl>
+                                              <p:pRg st="0" end="0"/>
+                                            </p:txEl>
+                                          </p:spTgt>
+                                        </p:tgtEl>
+                                      </p:cBhvr>
+                                    </p:animEffect>
+                                  </p:childTnLst>
+                                </p:cTn>
+                              </p:par>
+                            </p:childTnLst>
+                          </p:cTn>
+                        </p:par>
+                      </p:childTnLst>
+                    </p:cTn>
+                  </p:par>
+                  <p:par>
+                    <p:cTn id="8" fill="hold">
+                      <p:stCondLst>
+                        <p:cond delay="indefinite"/>
+                      </p:stCondLst>
+                      <p:childTnLst>
+                        <p:par>
+                          <p:cTn id="9" fill="hold">
+                            <p:stCondLst>
+                              <p:cond delay="0"/>
+                            </p:stCondLst>
+                            <p:childTnLst>
+                              <p:par>
+                                <p:cTn id="10" presetID="2" presetClass="entr" presetSubtype="4" fill="hold" nodeType="clickEffect">
+                                  <p:stCondLst>
+                                    <p:cond delay="0"/>
+                                  </p:stCondLst>
+                                  <p:childTnLst>
+                                    <p:set>
+                                      <p:cBhvr>
+                                        <p:cTn id="11" dur="1" fill="hold">
+                                          <p:stCondLst>
+                                            <p:cond delay="0"/>
+                                          </p:stCondLst>
+                                        </p:cTn>
+                                        <p:tgtEl>
+                                          <p:spTgt spid="5"/>
+                                        </p:tgtEl>
+                                        <p:attrNameLst>
+                                          <p:attrName>style.visibility</p:attrName>
+                                        </p:attrNameLst>
+                                      </p:cBhvr>
+                                      <p:to>
+                                        <p:strVal val="visible"/>
+                                      </p:to>
+                                    </p:set>
+                                    <p:anim calcmode="lin" valueType="num">
+                                      <p:cBhvr additive="base">
+                                        <p:cTn id="12" dur="250" fill="hold"/>
+                                        <p:tgtEl>
+                                          <p:spTgt spid="5"/>
+                                        </p:tgtEl>
+                                        <p:attrNameLst>
+                                          <p:attrName>ppt_x</p:attrName>
+                                        </p:attrNameLst>
+                                      </p:cBhvr>
+                                      <p:tavLst>
+                                        <p:tav tm="0">
+                                          <p:val>
+                                            <p:strVal val="#ppt_x"/>
+                                          </p:val>
+                                        </p:tav>
+                                        <p:tav tm="100000">
+                                          <p:val>
+                                            <p:strVal val="#ppt_x"/>
+                                          </p:val>
+                                        </p:tav>
+                                      </p:tavLst>
+                                    </p:anim>
+                                    <p:anim calcmode="lin" valueType="num">
+                                      <p:cBhvr additive="base">
+                                        <p:cTn id="13" dur="250" fill="hold"/>
+                                        <p:tgtEl>
+                                          <p:spTgt spid="5"/>
+                                        </p:tgtEl>
+                                        <p:attrNameLst>
+                                          <p:attrName>ppt_y</p:attrName>
+                                        </p:attrNameLst>
+                                      </p:cBhvr>
+                                      <p:tavLst>
+                                        <p:tav tm="0">
+                                          <p:val>
+                                            <p:strVal val="1+#ppt_h/2"/>
+                                          </p:val>
+                                        </p:tav>
+                                        <p:tav tm="100000">
+                                          <p:val>
+                                            <p:strVal val="#ppt_y"/>
+                                          </p:val>
+                                        </p:tav>
+                                      </p:tavLst>
+                                    </p:anim>
+                                  </p:childTnLst>
+                                </p:cTn>
+                              </p:par>
+                            </p:childTnLst>
+                          </p:cTn>
+                        </p:par>
+                      </p:childTnLst>
+                    </p:cTn>
+                  </p:par>
+                  <p:par>
+                    <p:cTn id="14" fill="hold">
+                      <p:stCondLst>
+                        <p:cond delay="indefinite"/>
+                      </p:stCondLst>
+                      <p:childTnLst>
+                        <p:par>
+                          <p:cTn id="15" fill="hold">
+                            <p:stCondLst>
+                              <p:cond delay="0"/>
+                            </p:stCondLst>
+                            <p:childTnLst>
+                              <p:par>
+                                <p:cTn id="16" presetID="2" presetClass="exit" presetSubtype="4" fill="hold" nodeType="clickEffect">
+                                  <p:stCondLst>
+                                    <p:cond delay="0"/>
+                                  </p:stCondLst>
+                                  <p:childTnLst>
+                                    <p:anim calcmode="lin" valueType="num">
+                                      <p:cBhvr additive="base">
+                                        <p:cTn id="17" dur="250"/>
+                                        <p:tgtEl>
+                                          <p:spTgt spid="5"/>
+                                        </p:tgtEl>
+                                        <p:attrNameLst>
+                                          <p:attrName>ppt_x</p:attrName>
+                                        </p:attrNameLst>
+                                      </p:cBhvr>
+                                      <p:tavLst>
+                                        <p:tav tm="0">
+                                          <p:val>
+                                            <p:strVal val="ppt_x"/>
+                                          </p:val>
+                                        </p:tav>
+                                        <p:tav tm="100000">
+                                          <p:val>
+                                            <p:strVal val="ppt_x"/>
+                                          </p:val>
+                                        </p:tav>
+                                      </p:tavLst>
+                                    </p:anim>
+                                    <p:anim calcmode="lin" valueType="num">
+                                      <p:cBhvr additive="base">
+                                        <p:cTn id="18" dur="250"/>
+                                        <p:tgtEl>
+                                          <p:spTgt spid="5"/>
+                                        </p:tgtEl>
+                                        <p:attrNameLst>
+                                          <p:attrName>ppt_y</p:attrName>
+                                        </p:attrNameLst>
+                                      </p:cBhvr>
+                                      <p:tavLst>
+                                        <p:tav tm="0">
+                                          <p:val>
+                                            <p:strVal val="ppt_y"/>
+                                          </p:val>
+                                        </p:tav>
+                                        <p:tav tm="100000">
+                                          <p:val>
+                                            <p:strVal val="1+ppt_h/2"/>
+                                          </p:val>
+                                        </p:tav>
+                                      </p:tavLst>
+                                    </p:anim>
+                                    <p:set>
+                                      <p:cBhvr>
+                                        <p:cTn id="19" dur="1" fill="hold">
+                                          <p:stCondLst>
+                                            <p:cond delay="249"/>
+                                          </p:stCondLst>
+                                        </p:cTn>
+                                        <p:tgtEl>
+                                          <p:spTgt spid="5"/>
+                                        </p:tgtEl>
+                                        <p:attrNameLst>
+                                          <p:attrName>style.visibility</p:attrName>
+                                        </p:attrNameLst>
+                                      </p:cBhvr>
+                                      <p:to>
+                                        <p:strVal val="hidden"/>
+                                      </p:to>
+                                    </p:set>
+                                  </p:childTnLst>
+                                </p:cTn>
+                              </p:par>
+                            </p:childTnLst>
+                          </p:cTn>
+                        </p:par>
+                        <p:par>
+                          <p:cTn id="20" fill="hold">
+                            <p:stCondLst>
+                              <p:cond delay="250"/>
+                            </p:stCondLst>
+                            <p:childTnLst>
+                              <p:par>
+                                <p:cTn id="21" presetID="10" presetClass="entr" presetSubtype="0" fill="hold" nodeType="afterEffect">
+                                  <p:stCondLst>
+                                    <p:cond delay="0"/>
+                                  </p:stCondLst>
+                                  <p:childTnLst>
+                                    <p:set>
+                                      <p:cBhvr>
+                                        <p:cTn id="22" dur="1" fill="hold">
+                                          <p:stCondLst>
+                                            <p:cond delay="0"/>
+                                          </p:stCondLst>
+                                        </p:cTn>
+                                        <p:tgtEl>
+                                          <p:spTgt spid="30">
+                                            <p:txEl>
+                                              <p:pRg st="1" end="1"/>
+                                            </p:txEl>
+                                          </p:spTgt>
+                                        </p:tgtEl>
+                                        <p:attrNameLst>
+                                          <p:attrName>style.visibility</p:attrName>
+                                        </p:attrNameLst>
+                                      </p:cBhvr>
+                                      <p:to>
+                                        <p:strVal val="visible"/>
+                                      </p:to>
+                                    </p:set>
+                                    <p:animEffect transition="in" filter="fade">
+                                      <p:cBhvr>
+                                        <p:cTn id="23" dur="250"/>
+                                        <p:tgtEl>
+                                          <p:spTgt spid="30">
+                                            <p:txEl>
+                                              <p:pRg st="1" end="1"/>
+                                            </p:txEl>
+                                          </p:spTgt>
+                                        </p:tgtEl>
+                                      </p:cBhvr>
+                                    </p:animEffect>
+                                  </p:childTnLst>
+                                </p:cTn>
+                              </p:par>
+                            </p:childTnLst>
+                          </p:cTn>
+                        </p:par>
+                      </p:childTnLst>
+                    </p:cTn>
+                  </p:par>
+                  <p:par>
+                    <p:cTn id="24" fill="hold">
+                      <p:stCondLst>
+                        <p:cond delay="indefinite"/>
+                      </p:stCondLst>
+                      <p:childTnLst>
+                        <p:par>
+                          <p:cTn id="25" fill="hold">
+                            <p:stCondLst>
+                              <p:cond delay="0"/>
+                            </p:stCondLst>
+                            <p:childTnLst>
+                              <p:par>
+                                <p:cTn id="26" presetID="10" presetClass="entr" presetSubtype="0" fill="hold" nodeType="clickEffect">
+                                  <p:stCondLst>
+                                    <p:cond delay="0"/>
+                                  </p:stCondLst>
+                                  <p:childTnLst>
+                                    <p:set>
+                                      <p:cBhvr>
+                                        <p:cTn id="27" dur="1" fill="hold">
+                                          <p:stCondLst>
+                                            <p:cond delay="0"/>
+                                          </p:stCondLst>
+                                        </p:cTn>
+                                        <p:tgtEl>
+                                          <p:spTgt spid="30">
+                                            <p:txEl>
+                                              <p:pRg st="2" end="2"/>
+                                            </p:txEl>
+                                          </p:spTgt>
+                                        </p:tgtEl>
+                                        <p:attrNameLst>
+                                          <p:attrName>style.visibility</p:attrName>
+                                        </p:attrNameLst>
+                                      </p:cBhvr>
+                                      <p:to>
+                                        <p:strVal val="visible"/>
+                                      </p:to>
+                                    </p:set>
+                                    <p:animEffect transition="in" filter="fade">
+                                      <p:cBhvr>
+                                        <p:cTn id="28" dur="250"/>
+                                        <p:tgtEl>
+                                          <p:spTgt spid="30">
+                                            <p:txEl>
+                                              <p:pRg st="2" end="2"/>
+                                            </p:txEl>
+                                          </p:spTgt>
+                                        </p:tgtEl>
+                                      </p:cBhvr>
+                                    </p:animEffect>
+                                  </p:childTnLst>
+                                </p:cTn>
+                              </p:par>
+                            </p:childTnLst>
+                          </p:cTn>
+                        </p:par>
+                        <p:par>
+                          <p:cTn id="29" fill="hold">
+                            <p:stCondLst>
+                              <p:cond delay="250"/>
+                            </p:stCondLst>
+                            <p:childTnLst>
+                              <p:par>
+                                <p:cTn id="30" presetID="10" presetClass="entr" presetSubtype="0" fill="hold" nodeType="afterEffect">
+                                  <p:stCondLst>
+                                    <p:cond delay="0"/>
+                                  </p:stCondLst>
+                                  <p:childTnLst>
+                                    <p:set>
+                                      <p:cBhvr>
+                                        <p:cTn id="31" dur="1" fill="hold">
+                                          <p:stCondLst>
+                                            <p:cond delay="0"/>
+                                          </p:stCondLst>
+                                        </p:cTn>
+                                        <p:tgtEl>
+                                          <p:spTgt spid="30">
+                                            <p:txEl>
+                                              <p:pRg st="3" end="3"/>
+                                            </p:txEl>
+                                          </p:spTgt>
+                                        </p:tgtEl>
+                                        <p:attrNameLst>
+                                          <p:attrName>style.visibility</p:attrName>
+                                        </p:attrNameLst>
+                                      </p:cBhvr>
+                                      <p:to>
+                                        <p:strVal val="visible"/>
+                                      </p:to>
+                                    </p:set>
+                                    <p:animEffect transition="in" filter="fade">
+                                      <p:cBhvr>
+                                        <p:cTn id="32" dur="250"/>
+                                        <p:tgtEl>
+                                          <p:spTgt spid="30">
+                                            <p:txEl>
+                                              <p:pRg st="3" end="3"/>
+                                            </p:txEl>
+                                          </p:spTgt>
+                                        </p:tgtEl>
+                                      </p:cBhvr>
+                                    </p:animEffect>
+                                  </p:childTnLst>
+                                </p:cTn>
+                              </p:par>
+                            </p:childTnLst>
+                          </p:cTn>
+                        </p:par>
+                      </p:childTnLst>
+                    </p:cTn>
+                  </p:par>
+                  <p:par>
+                    <p:cTn id="33" fill="hold">
+                      <p:stCondLst>
+                        <p:cond delay="indefinite"/>
+                      </p:stCondLst>
+                      <p:childTnLst>
+                        <p:par>
+                          <p:cTn id="34" fill="hold">
+                            <p:stCondLst>
+                              <p:cond delay="0"/>
+                            </p:stCondLst>
+                            <p:childTnLst>
+                              <p:par>
+                                <p:cTn id="35" presetID="10" presetClass="entr" presetSubtype="0" fill="hold" nodeType="clickEffect">
+                                  <p:stCondLst>
+                                    <p:cond delay="0"/>
+                                  </p:stCondLst>
+                                  <p:childTnLst>
+                                    <p:set>
+                                      <p:cBhvr>
+                                        <p:cTn id="36" dur="1" fill="hold">
+                                          <p:stCondLst>
+                                            <p:cond delay="0"/>
+                                          </p:stCondLst>
+                                        </p:cTn>
+                                        <p:tgtEl>
+                                          <p:spTgt spid="30">
+                                            <p:txEl>
+                                              <p:pRg st="4" end="4"/>
+                                            </p:txEl>
+                                          </p:spTgt>
+                                        </p:tgtEl>
+                                        <p:attrNameLst>
+                                          <p:attrName>style.visibility</p:attrName>
+                                        </p:attrNameLst>
+                                      </p:cBhvr>
+                                      <p:to>
+                                        <p:strVal val="visible"/>
+                                      </p:to>
+                                    </p:set>
+                                    <p:animEffect transition="in" filter="fade">
+                                      <p:cBhvr>
+                                        <p:cTn id="37" dur="250"/>
+                                        <p:tgtEl>
+                                          <p:spTgt spid="30">
+                                            <p:txEl>
+                                              <p:pRg st="4" end="4"/>
+                                            </p:txEl>
+                                          </p:spTgt>
+                                        </p:tgtEl>
+                                      </p:cBhvr>
+                                    </p:animEffect>
+                                  </p:childTnLst>
+                                </p:cTn>
+                              </p:par>
+                            </p:childTnLst>
+                          </p:cTn>
+                        </p:par>
+                      </p:childTnLst>
+                    </p:cTn>
+                  </p:par>
+                  <p:par>
+                    <p:cTn id="38" fill="hold">
+                      <p:stCondLst>
+                        <p:cond delay="indefinite"/>
+                      </p:stCondLst>
+                      <p:childTnLst>
+                        <p:par>
+                          <p:cTn id="39" fill="hold">
+                            <p:stCondLst>
+                              <p:cond delay="0"/>
+                            </p:stCondLst>
+                            <p:childTnLst>
+                              <p:par>
+                                <p:cTn id="40" presetID="10" presetClass="entr" presetSubtype="0" fill="hold" nodeType="clickEffect">
+                                  <p:stCondLst>
+                                    <p:cond delay="0"/>
+                                  </p:stCondLst>
+                                  <p:childTnLst>
+                                    <p:set>
+                                      <p:cBhvr>
+                                        <p:cTn id="41" dur="1" fill="hold">
+                                          <p:stCondLst>
+                                            <p:cond delay="0"/>
+                                          </p:stCondLst>
+                                        </p:cTn>
+                                        <p:tgtEl>
+                                          <p:spTgt spid="30">
+                                            <p:txEl>
+                                              <p:pRg st="5" end="5"/>
+                                            </p:txEl>
+                                          </p:spTgt>
+                                        </p:tgtEl>
+                                        <p:attrNameLst>
+                                          <p:attrName>style.visibility</p:attrName>
+                                        </p:attrNameLst>
+                                      </p:cBhvr>
+                                      <p:to>
+                                        <p:strVal val="visible"/>
+                                      </p:to>
+                                    </p:set>
+                                    <p:animEffect transition="in" filter="fade">
+                                      <p:cBhvr>
+                                        <p:cTn id="42" dur="250"/>
+                                        <p:tgtEl>
+                                          <p:spTgt spid="30">
+                                            <p:txEl>
+                                              <p:pRg st="5" end="5"/>
+                                            </p:txEl>
+                                          </p:spTgt>
+                                        </p:tgtEl>
+                                      </p:cBhvr>
+                                    </p:animEffect>
+                                  </p:childTnLst>
+                                </p:cTn>
+                              </p:par>
+                            </p:childTnLst>
+                          </p:cTn>
+                        </p:par>
+                      </p:childTnLst>
+                    </p:cTn>
+                  </p:par>
+                </p:childTnLst>
+              </p:cTn>
+              <p:prevCondLst>
+                <p:cond evt="onPrev" delay="0">
+                  <p:tgtEl>
+                    <p:sldTgt/>
+                  </p:tgtEl>
+                </p:cond>
+              </p:prevCondLst>
+              <p:nextCondLst>
+                <p:cond evt="onNext" delay="0">
+                  <p:tgtEl>
+                    <p:sldTgt/>
+                  </p:tgtEl>
+                </p:cond>
+              </p:nextCondLst>
+            </p:seq>
+          </p:childTnLst>
+        </p:cTn>
+      </p:par>
+    </p:tnLst>
+  </p:timing>
 </p:sld>
 </file>
 
@@ -17775,7 +22237,7 @@
                               <p:par>
                                 <p:cTn id="61" presetID="10" presetClass="entr" presetSubtype="0" fill="hold" nodeType="afterEffect">
                                   <p:stCondLst>
-                                    <p:cond delay="5000"/>
+                                    <p:cond delay="4000"/>
                                   </p:stCondLst>
                                   <p:childTnLst>
                                     <p:set>
@@ -17943,7 +22405,7 @@
         <p:spPr>
           <a:xfrm>
             <a:off x="2741194" y="682977"/>
-            <a:ext cx="5403062" cy="1200329"/>
+            <a:ext cx="5403062" cy="461665"/>
           </a:xfrm>
           <a:prstGeom prst="rect">
             <a:avLst/>
@@ -17977,51 +22439,6 @@
               <a:t>itizentaxi.netlify.app</a:t>
             </a:r>
             <a:endParaRPr lang="en-US" sz="2400" b="1" dirty="0"/>
-          </a:p>
-          <a:p>
-            <a:pPr marL="414900" indent="-342900">
-              <a:buFont typeface="Arial" panose="020B0604020202020204" pitchFamily="34" charset="0"/>
-              <a:buChar char="•"/>
-            </a:pPr>
-            <a:r>
-              <a:rPr lang="en-US" sz="2400" b="1" dirty="0" err="1"/>
-              <a:t>Hvordan</a:t>
-            </a:r>
-            <a:r>
-              <a:rPr lang="en-US" sz="2400" b="1" dirty="0"/>
-              <a:t> ser det </a:t>
-            </a:r>
-            <a:r>
-              <a:rPr lang="en-US" sz="2400" b="1" dirty="0" err="1"/>
-              <a:t>ud</a:t>
-            </a:r>
-            <a:r>
-              <a:rPr lang="en-US" sz="2400" b="1" dirty="0"/>
-              <a:t> </a:t>
-            </a:r>
-            <a:r>
-              <a:rPr lang="en-US" sz="2400" b="1" dirty="0" err="1"/>
-              <a:t>som</a:t>
-            </a:r>
-            <a:r>
-              <a:rPr lang="en-US" sz="2400" b="1" dirty="0"/>
-              <a:t> </a:t>
-            </a:r>
-            <a:r>
-              <a:rPr lang="en-US" sz="2400" b="1" dirty="0" err="1"/>
-              <a:t>borger</a:t>
-            </a:r>
-            <a:r>
-              <a:rPr lang="en-US" sz="2400" b="1" dirty="0"/>
-              <a:t>?</a:t>
-            </a:r>
-          </a:p>
-          <a:p>
-            <a:pPr marL="252000" indent="-180000">
-              <a:buFont typeface="Arial" panose="020B0604020202020204" pitchFamily="34" charset="0"/>
-              <a:buChar char="•"/>
-            </a:pPr>
-            <a:endParaRPr lang="en-GB" sz="2400" b="1" dirty="0"/>
           </a:p>
         </p:txBody>
       </p:sp>
@@ -18147,121 +22564,6 @@
                                           <p:spTgt spid="30">
                                             <p:txEl>
                                               <p:pRg st="0" end="0"/>
-                                            </p:txEl>
-                                          </p:spTgt>
-                                        </p:tgtEl>
-                                      </p:cBhvr>
-                                    </p:animEffect>
-                                  </p:childTnLst>
-                                </p:cTn>
-                              </p:par>
-                            </p:childTnLst>
-                          </p:cTn>
-                        </p:par>
-                      </p:childTnLst>
-                    </p:cTn>
-                  </p:par>
-                  <p:par>
-                    <p:cTn id="10" fill="hold">
-                      <p:stCondLst>
-                        <p:cond delay="indefinite"/>
-                      </p:stCondLst>
-                      <p:childTnLst>
-                        <p:par>
-                          <p:cTn id="11" fill="hold">
-                            <p:stCondLst>
-                              <p:cond delay="0"/>
-                            </p:stCondLst>
-                            <p:childTnLst>
-                              <p:par>
-                                <p:cTn id="12" presetID="53" presetClass="entr" presetSubtype="16" fill="hold" nodeType="clickEffect">
-                                  <p:stCondLst>
-                                    <p:cond delay="0"/>
-                                  </p:stCondLst>
-                                  <p:childTnLst>
-                                    <p:set>
-                                      <p:cBhvr>
-                                        <p:cTn id="13" dur="1" fill="hold">
-                                          <p:stCondLst>
-                                            <p:cond delay="0"/>
-                                          </p:stCondLst>
-                                        </p:cTn>
-                                        <p:tgtEl>
-                                          <p:spTgt spid="30">
-                                            <p:txEl>
-                                              <p:pRg st="1" end="1"/>
-                                            </p:txEl>
-                                          </p:spTgt>
-                                        </p:tgtEl>
-                                        <p:attrNameLst>
-                                          <p:attrName>style.visibility</p:attrName>
-                                        </p:attrNameLst>
-                                      </p:cBhvr>
-                                      <p:to>
-                                        <p:strVal val="visible"/>
-                                      </p:to>
-                                    </p:set>
-                                    <p:anim calcmode="lin" valueType="num">
-                                      <p:cBhvr>
-                                        <p:cTn id="14" dur="250" fill="hold"/>
-                                        <p:tgtEl>
-                                          <p:spTgt spid="30">
-                                            <p:txEl>
-                                              <p:pRg st="1" end="1"/>
-                                            </p:txEl>
-                                          </p:spTgt>
-                                        </p:tgtEl>
-                                        <p:attrNameLst>
-                                          <p:attrName>ppt_w</p:attrName>
-                                        </p:attrNameLst>
-                                      </p:cBhvr>
-                                      <p:tavLst>
-                                        <p:tav tm="0">
-                                          <p:val>
-                                            <p:fltVal val="0"/>
-                                          </p:val>
-                                        </p:tav>
-                                        <p:tav tm="100000">
-                                          <p:val>
-                                            <p:strVal val="#ppt_w"/>
-                                          </p:val>
-                                        </p:tav>
-                                      </p:tavLst>
-                                    </p:anim>
-                                    <p:anim calcmode="lin" valueType="num">
-                                      <p:cBhvr>
-                                        <p:cTn id="15" dur="250" fill="hold"/>
-                                        <p:tgtEl>
-                                          <p:spTgt spid="30">
-                                            <p:txEl>
-                                              <p:pRg st="1" end="1"/>
-                                            </p:txEl>
-                                          </p:spTgt>
-                                        </p:tgtEl>
-                                        <p:attrNameLst>
-                                          <p:attrName>ppt_h</p:attrName>
-                                        </p:attrNameLst>
-                                      </p:cBhvr>
-                                      <p:tavLst>
-                                        <p:tav tm="0">
-                                          <p:val>
-                                            <p:fltVal val="0"/>
-                                          </p:val>
-                                        </p:tav>
-                                        <p:tav tm="100000">
-                                          <p:val>
-                                            <p:strVal val="#ppt_h"/>
-                                          </p:val>
-                                        </p:tav>
-                                      </p:tavLst>
-                                    </p:anim>
-                                    <p:animEffect transition="in" filter="fade">
-                                      <p:cBhvr>
-                                        <p:cTn id="16" dur="250"/>
-                                        <p:tgtEl>
-                                          <p:spTgt spid="30">
-                                            <p:txEl>
-                                              <p:pRg st="1" end="1"/>
                                             </p:txEl>
                                           </p:spTgt>
                                         </p:tgtEl>
@@ -24886,6 +29188,9 @@
                     <p:cTn id="3" fill="hold">
                       <p:stCondLst>
                         <p:cond delay="indefinite"/>
+                        <p:cond evt="onBegin" delay="0">
+                          <p:tn val="2"/>
+                        </p:cond>
                       </p:stCondLst>
                       <p:childTnLst>
                         <p:par>
@@ -24895,7 +29200,7 @@
                             </p:stCondLst>
                             <p:childTnLst>
                               <p:par>
-                                <p:cTn id="5" presetID="10" presetClass="entr" presetSubtype="0" fill="hold" nodeType="clickEffect">
+                                <p:cTn id="5" presetID="10" presetClass="entr" presetSubtype="0" fill="hold" nodeType="afterEffect">
                                   <p:stCondLst>
                                     <p:cond delay="0"/>
                                   </p:stCondLst>

--- a/Resources/Documents/CitizenTaxi.pptx
+++ b/Resources/Documents/CitizenTaxi.pptx
@@ -253,7 +253,7 @@
             <a:pPr rtl="0"/>
             <a:fld id="{4245C065-7973-41A8-A2CC-441A8BA3384C}" type="datetime1">
               <a:rPr lang="en-GB" smtClean="0"/>
-              <a:t>06/12/2023</a:t>
+              <a:t>07/12/2023</a:t>
             </a:fld>
             <a:endParaRPr lang="en-GB"/>
           </a:p>
@@ -435,7 +435,7 @@
             <a:fld id="{A087A586-3225-45EC-B90F-43F9676D14C2}" type="datetime1">
               <a:rPr lang="en-GB" smtClean="0"/>
               <a:pPr/>
-              <a:t>06/12/2023</a:t>
+              <a:t>07/12/2023</a:t>
             </a:fld>
             <a:endParaRPr lang="en-GB" dirty="0"/>
           </a:p>
@@ -17191,7 +17191,7 @@
             </a:r>
           </a:p>
           <a:p>
-            <a:pPr marL="709200" lvl="1" indent="-180000">
+            <a:pPr marL="612000" lvl="1" indent="-180000">
               <a:buFont typeface="Arial" panose="020B0604020202020204" pitchFamily="34" charset="0"/>
               <a:buChar char="•"/>
             </a:pPr>
@@ -21258,7 +21258,7 @@
         <p:spPr>
           <a:xfrm>
             <a:off x="436570" y="1086928"/>
-            <a:ext cx="5230986" cy="5909310"/>
+            <a:ext cx="5230986" cy="4801314"/>
           </a:xfrm>
           <a:prstGeom prst="rect">
             <a:avLst/>
@@ -21386,43 +21386,7 @@
                   <a:schemeClr val="bg1"/>
                 </a:solidFill>
               </a:rPr>
-              <a:t>Lægesekretærerne får en ekstra arbejdsopgave</a:t>
-            </a:r>
-          </a:p>
-          <a:p>
-            <a:pPr marL="529200" lvl="1"/>
-            <a:endParaRPr lang="da-DK" dirty="0">
-              <a:solidFill>
-                <a:schemeClr val="bg1"/>
-              </a:solidFill>
-            </a:endParaRPr>
-          </a:p>
-          <a:p>
-            <a:pPr marL="252000" indent="-180000">
-              <a:buFont typeface="Arial" panose="020B0604020202020204" pitchFamily="34" charset="0"/>
-              <a:buChar char="•"/>
-            </a:pPr>
-            <a:r>
-              <a:rPr lang="da-DK" dirty="0">
-                <a:solidFill>
-                  <a:schemeClr val="bg1"/>
-                </a:solidFill>
-              </a:rPr>
-              <a:t>Hvorfor er problemet relevant?</a:t>
-            </a:r>
-          </a:p>
-          <a:p>
-            <a:pPr marL="504000" lvl="1" indent="-180000">
-              <a:buFont typeface="Arial" panose="020B0604020202020204" pitchFamily="34" charset="0"/>
-              <a:buChar char="•"/>
-            </a:pPr>
-            <a:r>
-              <a:rPr lang="da-DK" dirty="0">
-                <a:solidFill>
-                  <a:schemeClr val="bg1"/>
-                </a:solidFill>
-              </a:rPr>
-              <a:t>Mere arbejde hos lægesekretærerne end nødvendigt</a:t>
+              <a:t>Lægesekretærerne får en ekstra arbejdsopgave end nødvendigt</a:t>
             </a:r>
           </a:p>
           <a:p>
@@ -22054,30 +22018,21 @@
                             </p:childTnLst>
                           </p:cTn>
                         </p:par>
-                      </p:childTnLst>
-                    </p:cTn>
-                  </p:par>
-                  <p:par>
-                    <p:cTn id="46" fill="hold">
-                      <p:stCondLst>
-                        <p:cond delay="indefinite"/>
-                      </p:stCondLst>
-                      <p:childTnLst>
                         <p:par>
-                          <p:cTn id="47" fill="hold">
+                          <p:cTn id="46" fill="hold">
                             <p:stCondLst>
-                              <p:cond delay="0"/>
+                              <p:cond delay="250"/>
                             </p:stCondLst>
                             <p:childTnLst>
                               <p:par>
-                                <p:cTn id="48" presetID="10" presetClass="entr" presetSubtype="0" fill="hold" nodeType="clickEffect">
+                                <p:cTn id="47" presetID="10" presetClass="entr" presetSubtype="0" fill="hold" nodeType="afterEffect">
                                   <p:stCondLst>
                                     <p:cond delay="0"/>
                                   </p:stCondLst>
                                   <p:childTnLst>
                                     <p:set>
                                       <p:cBhvr>
-                                        <p:cTn id="49" dur="1" fill="hold">
+                                        <p:cTn id="48" dur="1" fill="hold">
                                           <p:stCondLst>
                                             <p:cond delay="0"/>
                                           </p:stCondLst>
@@ -22085,7 +22040,7 @@
                                         <p:tgtEl>
                                           <p:spTgt spid="8">
                                             <p:txEl>
-                                              <p:pRg st="12" end="12"/>
+                                              <p:pRg st="11" end="11"/>
                                             </p:txEl>
                                           </p:spTgt>
                                         </p:tgtEl>
@@ -22099,72 +22054,11 @@
                                     </p:set>
                                     <p:animEffect transition="in" filter="fade">
                                       <p:cBhvr>
-                                        <p:cTn id="50" dur="250"/>
+                                        <p:cTn id="49" dur="250"/>
                                         <p:tgtEl>
                                           <p:spTgt spid="8">
                                             <p:txEl>
-                                              <p:pRg st="12" end="12"/>
-                                            </p:txEl>
-                                          </p:spTgt>
-                                        </p:tgtEl>
-                                      </p:cBhvr>
-                                    </p:animEffect>
-                                  </p:childTnLst>
-                                </p:cTn>
-                              </p:par>
-                            </p:childTnLst>
-                          </p:cTn>
-                        </p:par>
-                      </p:childTnLst>
-                    </p:cTn>
-                  </p:par>
-                  <p:par>
-                    <p:cTn id="51" fill="hold">
-                      <p:stCondLst>
-                        <p:cond delay="indefinite"/>
-                      </p:stCondLst>
-                      <p:childTnLst>
-                        <p:par>
-                          <p:cTn id="52" fill="hold">
-                            <p:stCondLst>
-                              <p:cond delay="0"/>
-                            </p:stCondLst>
-                            <p:childTnLst>
-                              <p:par>
-                                <p:cTn id="53" presetID="10" presetClass="entr" presetSubtype="0" fill="hold" nodeType="clickEffect">
-                                  <p:stCondLst>
-                                    <p:cond delay="0"/>
-                                  </p:stCondLst>
-                                  <p:childTnLst>
-                                    <p:set>
-                                      <p:cBhvr>
-                                        <p:cTn id="54" dur="1" fill="hold">
-                                          <p:stCondLst>
-                                            <p:cond delay="0"/>
-                                          </p:stCondLst>
-                                        </p:cTn>
-                                        <p:tgtEl>
-                                          <p:spTgt spid="8">
-                                            <p:txEl>
-                                              <p:pRg st="13" end="13"/>
-                                            </p:txEl>
-                                          </p:spTgt>
-                                        </p:tgtEl>
-                                        <p:attrNameLst>
-                                          <p:attrName>style.visibility</p:attrName>
-                                        </p:attrNameLst>
-                                      </p:cBhvr>
-                                      <p:to>
-                                        <p:strVal val="visible"/>
-                                      </p:to>
-                                    </p:set>
-                                    <p:animEffect transition="in" filter="fade">
-                                      <p:cBhvr>
-                                        <p:cTn id="55" dur="250"/>
-                                        <p:tgtEl>
-                                          <p:spTgt spid="8">
-                                            <p:txEl>
-                                              <p:pRg st="13" end="13"/>
+                                              <p:pRg st="11" end="11"/>
                                             </p:txEl>
                                           </p:spTgt>
                                         </p:tgtEl>
@@ -22177,20 +22071,20 @@
                           </p:cTn>
                         </p:par>
                         <p:par>
-                          <p:cTn id="56" fill="hold">
+                          <p:cTn id="50" fill="hold">
                             <p:stCondLst>
-                              <p:cond delay="250"/>
+                              <p:cond delay="500"/>
                             </p:stCondLst>
                             <p:childTnLst>
                               <p:par>
-                                <p:cTn id="57" presetID="10" presetClass="entr" presetSubtype="0" fill="hold" nodeType="afterEffect">
+                                <p:cTn id="51" presetID="10" presetClass="entr" presetSubtype="0" fill="hold" nodeType="afterEffect">
                                   <p:stCondLst>
-                                    <p:cond delay="0"/>
+                                    <p:cond delay="4000"/>
                                   </p:stCondLst>
                                   <p:childTnLst>
                                     <p:set>
                                       <p:cBhvr>
-                                        <p:cTn id="58" dur="1" fill="hold">
+                                        <p:cTn id="52" dur="1" fill="hold">
                                           <p:stCondLst>
                                             <p:cond delay="0"/>
                                           </p:stCondLst>
@@ -22198,7 +22092,7 @@
                                         <p:tgtEl>
                                           <p:spTgt spid="8">
                                             <p:txEl>
-                                              <p:pRg st="14" end="14"/>
+                                              <p:pRg st="12" end="12"/>
                                             </p:txEl>
                                           </p:spTgt>
                                         </p:tgtEl>
@@ -22212,63 +22106,11 @@
                                     </p:set>
                                     <p:animEffect transition="in" filter="fade">
                                       <p:cBhvr>
-                                        <p:cTn id="59" dur="250"/>
+                                        <p:cTn id="53" dur="250"/>
                                         <p:tgtEl>
                                           <p:spTgt spid="8">
                                             <p:txEl>
-                                              <p:pRg st="14" end="14"/>
-                                            </p:txEl>
-                                          </p:spTgt>
-                                        </p:tgtEl>
-                                      </p:cBhvr>
-                                    </p:animEffect>
-                                  </p:childTnLst>
-                                </p:cTn>
-                              </p:par>
-                            </p:childTnLst>
-                          </p:cTn>
-                        </p:par>
-                        <p:par>
-                          <p:cTn id="60" fill="hold">
-                            <p:stCondLst>
-                              <p:cond delay="500"/>
-                            </p:stCondLst>
-                            <p:childTnLst>
-                              <p:par>
-                                <p:cTn id="61" presetID="10" presetClass="entr" presetSubtype="0" fill="hold" nodeType="afterEffect">
-                                  <p:stCondLst>
-                                    <p:cond delay="4000"/>
-                                  </p:stCondLst>
-                                  <p:childTnLst>
-                                    <p:set>
-                                      <p:cBhvr>
-                                        <p:cTn id="62" dur="1" fill="hold">
-                                          <p:stCondLst>
-                                            <p:cond delay="0"/>
-                                          </p:stCondLst>
-                                        </p:cTn>
-                                        <p:tgtEl>
-                                          <p:spTgt spid="8">
-                                            <p:txEl>
-                                              <p:pRg st="15" end="15"/>
-                                            </p:txEl>
-                                          </p:spTgt>
-                                        </p:tgtEl>
-                                        <p:attrNameLst>
-                                          <p:attrName>style.visibility</p:attrName>
-                                        </p:attrNameLst>
-                                      </p:cBhvr>
-                                      <p:to>
-                                        <p:strVal val="visible"/>
-                                      </p:to>
-                                    </p:set>
-                                    <p:animEffect transition="in" filter="fade">
-                                      <p:cBhvr>
-                                        <p:cTn id="63" dur="250"/>
-                                        <p:tgtEl>
-                                          <p:spTgt spid="8">
-                                            <p:txEl>
-                                              <p:pRg st="15" end="15"/>
+                                              <p:pRg st="12" end="12"/>
                                             </p:txEl>
                                           </p:spTgt>
                                         </p:tgtEl>
@@ -27642,7 +27484,7 @@
             </a:r>
           </a:p>
           <a:p>
-            <a:pPr marL="709200" lvl="1" indent="-180000">
+            <a:pPr marL="612000" lvl="1" indent="-180000">
               <a:buFont typeface="Arial" panose="020B0604020202020204" pitchFamily="34" charset="0"/>
               <a:buChar char="•"/>
             </a:pPr>
@@ -27652,7 +27494,7 @@
             </a:r>
           </a:p>
           <a:p>
-            <a:pPr marL="709200" lvl="1" indent="-180000">
+            <a:pPr marL="612000" lvl="1" indent="-180000">
               <a:buFont typeface="Arial" panose="020B0604020202020204" pitchFamily="34" charset="0"/>
               <a:buChar char="•"/>
             </a:pPr>
@@ -27662,7 +27504,7 @@
             </a:r>
           </a:p>
           <a:p>
-            <a:pPr marL="709200" lvl="1" indent="-180000">
+            <a:pPr marL="612000" lvl="1" indent="-180000">
               <a:buFont typeface="Arial" panose="020B0604020202020204" pitchFamily="34" charset="0"/>
               <a:buChar char="•"/>
             </a:pPr>
@@ -27672,7 +27514,7 @@
             </a:r>
           </a:p>
           <a:p>
-            <a:pPr marL="709200" lvl="1" indent="-180000">
+            <a:pPr marL="612000" lvl="1" indent="-180000">
               <a:buFont typeface="Arial" panose="020B0604020202020204" pitchFamily="34" charset="0"/>
               <a:buChar char="•"/>
             </a:pPr>
@@ -27682,7 +27524,7 @@
             </a:r>
           </a:p>
           <a:p>
-            <a:pPr marL="1166400" lvl="2" indent="-180000">
+            <a:pPr marL="864000" lvl="2" indent="-180000">
               <a:buFont typeface="Arial" panose="020B0604020202020204" pitchFamily="34" charset="0"/>
               <a:buChar char="•"/>
             </a:pPr>
@@ -29044,7 +28886,7 @@
             </a:r>
           </a:p>
           <a:p>
-            <a:pPr marL="612000" lvl="1" indent="-180000">
+            <a:pPr marL="504000" lvl="1" indent="-180000">
               <a:buFont typeface="Arial" panose="020B0604020202020204" pitchFamily="34" charset="0"/>
               <a:buChar char="•"/>
             </a:pPr>
@@ -30576,6 +30418,15 @@
 </file>
 
 <file path=customXml/item1.xml><?xml version="1.0" encoding="utf-8"?>
+<?mso-contentType ?>
+<FormTemplates xmlns="http://schemas.microsoft.com/sharepoint/v3/contenttype/forms">
+  <Display>DocumentLibraryForm</Display>
+  <Edit>DocumentLibraryForm</Edit>
+  <New>DocumentLibraryForm</New>
+</FormTemplates>
+</file>
+
+<file path=customXml/item2.xml><?xml version="1.0" encoding="utf-8"?>
 <ct:contentTypeSchema xmlns:ct="http://schemas.microsoft.com/office/2006/metadata/contentType" xmlns:ma="http://schemas.microsoft.com/office/2006/metadata/properties/metaAttributes" ct:_="" ma:_="" ma:contentTypeName="Document" ma:contentTypeID="0x01010079F111ED35F8CC479449609E8A0923A6" ma:contentTypeVersion="20" ma:contentTypeDescription="Create a new document." ma:contentTypeScope="" ma:versionID="1267097ee5f5874adfcc408041ae252e">
   <xsd:schema xmlns:xsd="http://www.w3.org/2001/XMLSchema" xmlns:xs="http://www.w3.org/2001/XMLSchema" xmlns:p="http://schemas.microsoft.com/office/2006/metadata/properties" xmlns:ns1="http://schemas.microsoft.com/sharepoint/v3" xmlns:ns2="71af3243-3dd4-4a8d-8c0d-dd76da1f02a5" xmlns:ns3="16c05727-aa75-4e4a-9b5f-8a80a1165891" xmlns:ns4="230e9df3-be65-4c73-a93b-d1236ebd677e" targetNamespace="http://schemas.microsoft.com/office/2006/metadata/properties" ma:root="true" ma:fieldsID="395891a93df65b14727750f2c06c306c" ns1:_="" ns2:_="" ns3:_="" ns4:_="">
     <xsd:import namespace="http://schemas.microsoft.com/sharepoint/v3"/>
@@ -30851,15 +30702,6 @@
 </ct:contentTypeSchema>
 </file>
 
-<file path=customXml/item2.xml><?xml version="1.0" encoding="utf-8"?>
-<?mso-contentType ?>
-<FormTemplates xmlns="http://schemas.microsoft.com/sharepoint/v3/contenttype/forms">
-  <Display>DocumentLibraryForm</Display>
-  <Edit>DocumentLibraryForm</Edit>
-  <New>DocumentLibraryForm</New>
-</FormTemplates>
-</file>
-
 <file path=customXml/item3.xml><?xml version="1.0" encoding="utf-8"?>
 <p:properties xmlns:p="http://schemas.microsoft.com/office/2006/metadata/properties" xmlns:xsi="http://www.w3.org/2001/XMLSchema-instance" xmlns:pc="http://schemas.microsoft.com/office/infopath/2007/PartnerControls">
   <documentManagement>
@@ -30880,6 +30722,14 @@
 </file>
 
 <file path=customXml/itemProps1.xml><?xml version="1.0" encoding="utf-8"?>
+<ds:datastoreItem xmlns:ds="http://schemas.openxmlformats.org/officeDocument/2006/customXml" ds:itemID="{2D446390-8521-40A2-A462-EA068123BED9}">
+  <ds:schemaRefs>
+    <ds:schemaRef ds:uri="http://schemas.microsoft.com/sharepoint/v3/contenttype/forms"/>
+  </ds:schemaRefs>
+</ds:datastoreItem>
+</file>
+
+<file path=customXml/itemProps2.xml><?xml version="1.0" encoding="utf-8"?>
 <ds:datastoreItem xmlns:ds="http://schemas.openxmlformats.org/officeDocument/2006/customXml" ds:itemID="{01E84A1C-2814-43A7-9448-348326113A45}">
   <ds:schemaRefs>
     <ds:schemaRef ds:uri="http://schemas.microsoft.com/office/2006/metadata/contentType"/>
@@ -30896,14 +30746,6 @@
     <ds:schemaRef ds:uri="http://purl.org/dc/elements/1.1/"/>
     <ds:schemaRef ds:uri="http://purl.org/dc/terms/"/>
     <ds:schemaRef ds:uri="http://schemas.microsoft.com/internal/obd"/>
-  </ds:schemaRefs>
-</ds:datastoreItem>
-</file>
-
-<file path=customXml/itemProps2.xml><?xml version="1.0" encoding="utf-8"?>
-<ds:datastoreItem xmlns:ds="http://schemas.openxmlformats.org/officeDocument/2006/customXml" ds:itemID="{2D446390-8521-40A2-A462-EA068123BED9}">
-  <ds:schemaRefs>
-    <ds:schemaRef ds:uri="http://schemas.microsoft.com/sharepoint/v3/contenttype/forms"/>
   </ds:schemaRefs>
 </ds:datastoreItem>
 </file>
